--- a/docs/CS680Presentation.pptx
+++ b/docs/CS680Presentation.pptx
@@ -229,7 +229,7 @@
             <a:fld id="{86BD080F-59E1-4889-82B2-94C34819E36D}" type="datetimeFigureOut">
               <a:rPr lang="en-US" smtClean="0"/>
               <a:pPr/>
-              <a:t>3/17/2012</a:t>
+              <a:t>3/17/12</a:t>
             </a:fld>
             <a:endParaRPr lang="en-US"/>
           </a:p>
@@ -391,13 +391,18 @@
             <a:fld id="{FD9330B2-2D8C-46C8-A0B5-2369B0D50E38}" type="slidenum">
               <a:rPr lang="en-US" smtClean="0"/>
               <a:pPr/>
-              <a:t>‹Nº›</a:t>
+              <a:t>‹#›</a:t>
             </a:fld>
             <a:endParaRPr lang="en-US"/>
           </a:p>
         </p:txBody>
       </p:sp>
     </p:spTree>
+    <p:extLst>
+      <p:ext uri="{BB962C8B-B14F-4D97-AF65-F5344CB8AC3E}">
+        <p14:creationId xmlns:p14="http://schemas.microsoft.com/office/powerpoint/2010/main" val="2609443646"/>
+      </p:ext>
+    </p:extLst>
   </p:cSld>
   <p:clrMap bg1="lt1" tx1="dk1" bg2="lt2" tx2="dk2" accent1="accent1" accent2="accent2" accent3="accent3" accent4="accent4" accent5="accent5" accent6="accent6" hlink="hlink" folHlink="folHlink"/>
   <p:notesStyle>
@@ -2094,7 +2099,7 @@
             <a:fld id="{8FCE8BCB-785D-411B-A74C-42F0947B65C9}" type="datetimeFigureOut">
               <a:rPr lang="en-US" smtClean="0"/>
               <a:pPr/>
-              <a:t>3/17/2012</a:t>
+              <a:t>3/17/12</a:t>
             </a:fld>
             <a:endParaRPr lang="en-US"/>
           </a:p>
@@ -2137,7 +2142,7 @@
             <a:fld id="{B399811B-96E0-4CFB-A18D-5C08E7CDD9A9}" type="slidenum">
               <a:rPr lang="en-US" smtClean="0"/>
               <a:pPr/>
-              <a:t>‹Nº›</a:t>
+              <a:t>‹#›</a:t>
             </a:fld>
             <a:endParaRPr lang="en-US"/>
           </a:p>
@@ -2146,7 +2151,7 @@
     </p:spTree>
     <p:extLst>
       <p:ext uri="{BB962C8B-B14F-4D97-AF65-F5344CB8AC3E}">
-        <p14:creationId xmlns="" xmlns:p14="http://schemas.microsoft.com/office/powerpoint/2010/main" val="1250395099"/>
+        <p14:creationId xmlns:p14="http://schemas.microsoft.com/office/powerpoint/2010/main" val="1250395099"/>
       </p:ext>
     </p:extLst>
   </p:cSld>
@@ -2266,7 +2271,7 @@
             <a:fld id="{8FCE8BCB-785D-411B-A74C-42F0947B65C9}" type="datetimeFigureOut">
               <a:rPr lang="en-US" smtClean="0"/>
               <a:pPr/>
-              <a:t>3/17/2012</a:t>
+              <a:t>3/17/12</a:t>
             </a:fld>
             <a:endParaRPr lang="en-US"/>
           </a:p>
@@ -2309,7 +2314,7 @@
             <a:fld id="{B399811B-96E0-4CFB-A18D-5C08E7CDD9A9}" type="slidenum">
               <a:rPr lang="en-US" smtClean="0"/>
               <a:pPr/>
-              <a:t>‹Nº›</a:t>
+              <a:t>‹#›</a:t>
             </a:fld>
             <a:endParaRPr lang="en-US"/>
           </a:p>
@@ -2318,7 +2323,7 @@
     </p:spTree>
     <p:extLst>
       <p:ext uri="{BB962C8B-B14F-4D97-AF65-F5344CB8AC3E}">
-        <p14:creationId xmlns="" xmlns:p14="http://schemas.microsoft.com/office/powerpoint/2010/main" val="3178426934"/>
+        <p14:creationId xmlns:p14="http://schemas.microsoft.com/office/powerpoint/2010/main" val="3178426934"/>
       </p:ext>
     </p:extLst>
   </p:cSld>
@@ -2448,7 +2453,7 @@
             <a:fld id="{8FCE8BCB-785D-411B-A74C-42F0947B65C9}" type="datetimeFigureOut">
               <a:rPr lang="en-US" smtClean="0"/>
               <a:pPr/>
-              <a:t>3/17/2012</a:t>
+              <a:t>3/17/12</a:t>
             </a:fld>
             <a:endParaRPr lang="en-US"/>
           </a:p>
@@ -2491,7 +2496,7 @@
             <a:fld id="{B399811B-96E0-4CFB-A18D-5C08E7CDD9A9}" type="slidenum">
               <a:rPr lang="en-US" smtClean="0"/>
               <a:pPr/>
-              <a:t>‹Nº›</a:t>
+              <a:t>‹#›</a:t>
             </a:fld>
             <a:endParaRPr lang="en-US"/>
           </a:p>
@@ -2500,7 +2505,7 @@
     </p:spTree>
     <p:extLst>
       <p:ext uri="{BB962C8B-B14F-4D97-AF65-F5344CB8AC3E}">
-        <p14:creationId xmlns="" xmlns:p14="http://schemas.microsoft.com/office/powerpoint/2010/main" val="17816594"/>
+        <p14:creationId xmlns:p14="http://schemas.microsoft.com/office/powerpoint/2010/main" val="17816594"/>
       </p:ext>
     </p:extLst>
   </p:cSld>
@@ -2620,7 +2625,7 @@
             <a:fld id="{8FCE8BCB-785D-411B-A74C-42F0947B65C9}" type="datetimeFigureOut">
               <a:rPr lang="en-US" smtClean="0"/>
               <a:pPr/>
-              <a:t>3/17/2012</a:t>
+              <a:t>3/17/12</a:t>
             </a:fld>
             <a:endParaRPr lang="en-US"/>
           </a:p>
@@ -2663,7 +2668,7 @@
             <a:fld id="{B399811B-96E0-4CFB-A18D-5C08E7CDD9A9}" type="slidenum">
               <a:rPr lang="en-US" smtClean="0"/>
               <a:pPr/>
-              <a:t>‹Nº›</a:t>
+              <a:t>‹#›</a:t>
             </a:fld>
             <a:endParaRPr lang="en-US"/>
           </a:p>
@@ -2672,7 +2677,7 @@
     </p:spTree>
     <p:extLst>
       <p:ext uri="{BB962C8B-B14F-4D97-AF65-F5344CB8AC3E}">
-        <p14:creationId xmlns="" xmlns:p14="http://schemas.microsoft.com/office/powerpoint/2010/main" val="2742419763"/>
+        <p14:creationId xmlns:p14="http://schemas.microsoft.com/office/powerpoint/2010/main" val="2742419763"/>
       </p:ext>
     </p:extLst>
   </p:cSld>
@@ -2868,7 +2873,7 @@
             <a:fld id="{8FCE8BCB-785D-411B-A74C-42F0947B65C9}" type="datetimeFigureOut">
               <a:rPr lang="en-US" smtClean="0"/>
               <a:pPr/>
-              <a:t>3/17/2012</a:t>
+              <a:t>3/17/12</a:t>
             </a:fld>
             <a:endParaRPr lang="en-US"/>
           </a:p>
@@ -2911,7 +2916,7 @@
             <a:fld id="{B399811B-96E0-4CFB-A18D-5C08E7CDD9A9}" type="slidenum">
               <a:rPr lang="en-US" smtClean="0"/>
               <a:pPr/>
-              <a:t>‹Nº›</a:t>
+              <a:t>‹#›</a:t>
             </a:fld>
             <a:endParaRPr lang="en-US"/>
           </a:p>
@@ -2920,7 +2925,7 @@
     </p:spTree>
     <p:extLst>
       <p:ext uri="{BB962C8B-B14F-4D97-AF65-F5344CB8AC3E}">
-        <p14:creationId xmlns="" xmlns:p14="http://schemas.microsoft.com/office/powerpoint/2010/main" val="2525513986"/>
+        <p14:creationId xmlns:p14="http://schemas.microsoft.com/office/powerpoint/2010/main" val="2525513986"/>
       </p:ext>
     </p:extLst>
   </p:cSld>
@@ -3158,7 +3163,7 @@
             <a:fld id="{8FCE8BCB-785D-411B-A74C-42F0947B65C9}" type="datetimeFigureOut">
               <a:rPr lang="en-US" smtClean="0"/>
               <a:pPr/>
-              <a:t>3/17/2012</a:t>
+              <a:t>3/17/12</a:t>
             </a:fld>
             <a:endParaRPr lang="en-US"/>
           </a:p>
@@ -3201,7 +3206,7 @@
             <a:fld id="{B399811B-96E0-4CFB-A18D-5C08E7CDD9A9}" type="slidenum">
               <a:rPr lang="en-US" smtClean="0"/>
               <a:pPr/>
-              <a:t>‹Nº›</a:t>
+              <a:t>‹#›</a:t>
             </a:fld>
             <a:endParaRPr lang="en-US"/>
           </a:p>
@@ -3210,7 +3215,7 @@
     </p:spTree>
     <p:extLst>
       <p:ext uri="{BB962C8B-B14F-4D97-AF65-F5344CB8AC3E}">
-        <p14:creationId xmlns="" xmlns:p14="http://schemas.microsoft.com/office/powerpoint/2010/main" val="2700884553"/>
+        <p14:creationId xmlns:p14="http://schemas.microsoft.com/office/powerpoint/2010/main" val="2700884553"/>
       </p:ext>
     </p:extLst>
   </p:cSld>
@@ -3582,7 +3587,7 @@
             <a:fld id="{8FCE8BCB-785D-411B-A74C-42F0947B65C9}" type="datetimeFigureOut">
               <a:rPr lang="en-US" smtClean="0"/>
               <a:pPr/>
-              <a:t>3/17/2012</a:t>
+              <a:t>3/17/12</a:t>
             </a:fld>
             <a:endParaRPr lang="en-US"/>
           </a:p>
@@ -3625,7 +3630,7 @@
             <a:fld id="{B399811B-96E0-4CFB-A18D-5C08E7CDD9A9}" type="slidenum">
               <a:rPr lang="en-US" smtClean="0"/>
               <a:pPr/>
-              <a:t>‹Nº›</a:t>
+              <a:t>‹#›</a:t>
             </a:fld>
             <a:endParaRPr lang="en-US"/>
           </a:p>
@@ -3634,7 +3639,7 @@
     </p:spTree>
     <p:extLst>
       <p:ext uri="{BB962C8B-B14F-4D97-AF65-F5344CB8AC3E}">
-        <p14:creationId xmlns="" xmlns:p14="http://schemas.microsoft.com/office/powerpoint/2010/main" val="2345642216"/>
+        <p14:creationId xmlns:p14="http://schemas.microsoft.com/office/powerpoint/2010/main" val="2345642216"/>
       </p:ext>
     </p:extLst>
   </p:cSld>
@@ -3702,7 +3707,7 @@
             <a:fld id="{8FCE8BCB-785D-411B-A74C-42F0947B65C9}" type="datetimeFigureOut">
               <a:rPr lang="en-US" smtClean="0"/>
               <a:pPr/>
-              <a:t>3/17/2012</a:t>
+              <a:t>3/17/12</a:t>
             </a:fld>
             <a:endParaRPr lang="en-US"/>
           </a:p>
@@ -3745,7 +3750,7 @@
             <a:fld id="{B399811B-96E0-4CFB-A18D-5C08E7CDD9A9}" type="slidenum">
               <a:rPr lang="en-US" smtClean="0"/>
               <a:pPr/>
-              <a:t>‹Nº›</a:t>
+              <a:t>‹#›</a:t>
             </a:fld>
             <a:endParaRPr lang="en-US"/>
           </a:p>
@@ -3754,7 +3759,7 @@
     </p:spTree>
     <p:extLst>
       <p:ext uri="{BB962C8B-B14F-4D97-AF65-F5344CB8AC3E}">
-        <p14:creationId xmlns="" xmlns:p14="http://schemas.microsoft.com/office/powerpoint/2010/main" val="1447817125"/>
+        <p14:creationId xmlns:p14="http://schemas.microsoft.com/office/powerpoint/2010/main" val="1447817125"/>
       </p:ext>
     </p:extLst>
   </p:cSld>
@@ -3799,7 +3804,7 @@
             <a:fld id="{8FCE8BCB-785D-411B-A74C-42F0947B65C9}" type="datetimeFigureOut">
               <a:rPr lang="en-US" smtClean="0"/>
               <a:pPr/>
-              <a:t>3/17/2012</a:t>
+              <a:t>3/17/12</a:t>
             </a:fld>
             <a:endParaRPr lang="en-US"/>
           </a:p>
@@ -3842,7 +3847,7 @@
             <a:fld id="{B399811B-96E0-4CFB-A18D-5C08E7CDD9A9}" type="slidenum">
               <a:rPr lang="en-US" smtClean="0"/>
               <a:pPr/>
-              <a:t>‹Nº›</a:t>
+              <a:t>‹#›</a:t>
             </a:fld>
             <a:endParaRPr lang="en-US"/>
           </a:p>
@@ -3851,7 +3856,7 @@
     </p:spTree>
     <p:extLst>
       <p:ext uri="{BB962C8B-B14F-4D97-AF65-F5344CB8AC3E}">
-        <p14:creationId xmlns="" xmlns:p14="http://schemas.microsoft.com/office/powerpoint/2010/main" val="1222013955"/>
+        <p14:creationId xmlns:p14="http://schemas.microsoft.com/office/powerpoint/2010/main" val="1222013955"/>
       </p:ext>
     </p:extLst>
   </p:cSld>
@@ -4078,7 +4083,7 @@
             <a:fld id="{8FCE8BCB-785D-411B-A74C-42F0947B65C9}" type="datetimeFigureOut">
               <a:rPr lang="en-US" smtClean="0"/>
               <a:pPr/>
-              <a:t>3/17/2012</a:t>
+              <a:t>3/17/12</a:t>
             </a:fld>
             <a:endParaRPr lang="en-US"/>
           </a:p>
@@ -4121,7 +4126,7 @@
             <a:fld id="{B399811B-96E0-4CFB-A18D-5C08E7CDD9A9}" type="slidenum">
               <a:rPr lang="en-US" smtClean="0"/>
               <a:pPr/>
-              <a:t>‹Nº›</a:t>
+              <a:t>‹#›</a:t>
             </a:fld>
             <a:endParaRPr lang="en-US"/>
           </a:p>
@@ -4130,7 +4135,7 @@
     </p:spTree>
     <p:extLst>
       <p:ext uri="{BB962C8B-B14F-4D97-AF65-F5344CB8AC3E}">
-        <p14:creationId xmlns="" xmlns:p14="http://schemas.microsoft.com/office/powerpoint/2010/main" val="2212676689"/>
+        <p14:creationId xmlns:p14="http://schemas.microsoft.com/office/powerpoint/2010/main" val="2212676689"/>
       </p:ext>
     </p:extLst>
   </p:cSld>
@@ -4333,7 +4338,7 @@
             <a:fld id="{8FCE8BCB-785D-411B-A74C-42F0947B65C9}" type="datetimeFigureOut">
               <a:rPr lang="en-US" smtClean="0"/>
               <a:pPr/>
-              <a:t>3/17/2012</a:t>
+              <a:t>3/17/12</a:t>
             </a:fld>
             <a:endParaRPr lang="en-US"/>
           </a:p>
@@ -4376,7 +4381,7 @@
             <a:fld id="{B399811B-96E0-4CFB-A18D-5C08E7CDD9A9}" type="slidenum">
               <a:rPr lang="en-US" smtClean="0"/>
               <a:pPr/>
-              <a:t>‹Nº›</a:t>
+              <a:t>‹#›</a:t>
             </a:fld>
             <a:endParaRPr lang="en-US"/>
           </a:p>
@@ -4385,7 +4390,7 @@
     </p:spTree>
     <p:extLst>
       <p:ext uri="{BB962C8B-B14F-4D97-AF65-F5344CB8AC3E}">
-        <p14:creationId xmlns="" xmlns:p14="http://schemas.microsoft.com/office/powerpoint/2010/main" val="4062114231"/>
+        <p14:creationId xmlns:p14="http://schemas.microsoft.com/office/powerpoint/2010/main" val="4062114231"/>
       </p:ext>
     </p:extLst>
   </p:cSld>
@@ -4548,7 +4553,7 @@
             <a:fld id="{8FCE8BCB-785D-411B-A74C-42F0947B65C9}" type="datetimeFigureOut">
               <a:rPr lang="en-US" smtClean="0"/>
               <a:pPr/>
-              <a:t>3/17/2012</a:t>
+              <a:t>3/17/12</a:t>
             </a:fld>
             <a:endParaRPr lang="en-US"/>
           </a:p>
@@ -4627,7 +4632,7 @@
             <a:fld id="{B399811B-96E0-4CFB-A18D-5C08E7CDD9A9}" type="slidenum">
               <a:rPr lang="en-US" smtClean="0"/>
               <a:pPr/>
-              <a:t>‹Nº›</a:t>
+              <a:t>‹#›</a:t>
             </a:fld>
             <a:endParaRPr lang="en-US"/>
           </a:p>
@@ -4636,7 +4641,7 @@
     </p:spTree>
     <p:extLst>
       <p:ext uri="{BB962C8B-B14F-4D97-AF65-F5344CB8AC3E}">
-        <p14:creationId xmlns="" xmlns:p14="http://schemas.microsoft.com/office/powerpoint/2010/main" val="2290327233"/>
+        <p14:creationId xmlns:p14="http://schemas.microsoft.com/office/powerpoint/2010/main" val="2290327233"/>
       </p:ext>
     </p:extLst>
   </p:cSld>
@@ -4948,11 +4953,7 @@
           <a:p>
             <a:r>
               <a:rPr lang="en-US" sz="3600" dirty="0" smtClean="0"/>
-              <a:t>[Project 1] </a:t>
-            </a:r>
-            <a:r>
-              <a:rPr lang="en-US" sz="3600" dirty="0" smtClean="0"/>
-              <a:t>Real-Time Strategy Games</a:t>
+              <a:t>[Project 1] Real-Time Strategy Games</a:t>
             </a:r>
             <a:endParaRPr lang="en-US" sz="3600" dirty="0"/>
           </a:p>
@@ -5139,7 +5140,7 @@
     </p:spTree>
     <p:extLst>
       <p:ext uri="{BB962C8B-B14F-4D97-AF65-F5344CB8AC3E}">
-        <p14:creationId xmlns="" xmlns:p14="http://schemas.microsoft.com/office/powerpoint/2010/main" val="850291249"/>
+        <p14:creationId xmlns:p14="http://schemas.microsoft.com/office/powerpoint/2010/main" val="850291249"/>
       </p:ext>
     </p:extLst>
   </p:cSld>
@@ -5149,7 +5150,7 @@
   <p:timing>
     <p:tnLst>
       <p:par>
-        <p:cTn id="1" dur="indefinite" restart="never" nodeType="tmRoot"/>
+        <p:cTn xmlns:p14="http://schemas.microsoft.com/office/powerpoint/2010/main" id="1" dur="indefinite" restart="never" nodeType="tmRoot"/>
       </p:par>
     </p:tnLst>
   </p:timing>
@@ -5290,7 +5291,7 @@
           <a:blip r:embed="rId2" cstate="print">
             <a:extLst>
               <a:ext uri="{28A0092B-C50C-407E-A947-70E740481C1C}">
-                <a14:useLocalDpi xmlns="" xmlns:a14="http://schemas.microsoft.com/office/drawing/2010/main" val="0"/>
+                <a14:useLocalDpi xmlns:a14="http://schemas.microsoft.com/office/drawing/2010/main" val="0"/>
               </a:ext>
             </a:extLst>
           </a:blip>
@@ -5309,8 +5310,8 @@
           </a:prstGeom>
           <a:noFill/>
           <a:extLst>
-            <a:ext uri="{909E8E84-426E-40DD-AFC4-6F175D3DCCD1}">
-              <a14:hiddenFill xmlns="" xmlns:a14="http://schemas.microsoft.com/office/drawing/2010/main">
+            <a:ext uri="{909E8E84-426E-40dd-AFC4-6F175D3DCCD1}">
+              <a14:hiddenFill xmlns:a14="http://schemas.microsoft.com/office/drawing/2010/main">
                 <a:solidFill>
                   <a:srgbClr val="FFFFFF"/>
                 </a:solidFill>
@@ -5383,7 +5384,7 @@
     </p:spTree>
     <p:extLst>
       <p:ext uri="{BB962C8B-B14F-4D97-AF65-F5344CB8AC3E}">
-        <p14:creationId xmlns="" xmlns:p14="http://schemas.microsoft.com/office/powerpoint/2010/main" val="2751761894"/>
+        <p14:creationId xmlns:p14="http://schemas.microsoft.com/office/powerpoint/2010/main" val="2751761894"/>
       </p:ext>
     </p:extLst>
   </p:cSld>
@@ -5393,7 +5394,7 @@
   <p:timing>
     <p:tnLst>
       <p:par>
-        <p:cTn id="1" dur="indefinite" restart="never" nodeType="tmRoot"/>
+        <p:cTn xmlns:p14="http://schemas.microsoft.com/office/powerpoint/2010/main" id="1" dur="indefinite" restart="never" nodeType="tmRoot"/>
       </p:par>
     </p:tnLst>
   </p:timing>
@@ -6489,7 +6490,7 @@
     </p:spTree>
     <p:extLst>
       <p:ext uri="{BB962C8B-B14F-4D97-AF65-F5344CB8AC3E}">
-        <p14:creationId xmlns="" xmlns:p14="http://schemas.microsoft.com/office/powerpoint/2010/main" val="1624131093"/>
+        <p14:creationId xmlns:p14="http://schemas.microsoft.com/office/powerpoint/2010/main" val="1624131093"/>
       </p:ext>
     </p:extLst>
   </p:cSld>
@@ -6499,7 +6500,7 @@
   <p:timing>
     <p:tnLst>
       <p:par>
-        <p:cTn id="1" dur="indefinite" restart="never" nodeType="tmRoot"/>
+        <p:cTn xmlns:p14="http://schemas.microsoft.com/office/powerpoint/2010/main" id="1" dur="indefinite" restart="never" nodeType="tmRoot"/>
       </p:par>
     </p:tnLst>
   </p:timing>
@@ -7761,7 +7762,7 @@
     </p:spTree>
     <p:extLst>
       <p:ext uri="{BB962C8B-B14F-4D97-AF65-F5344CB8AC3E}">
-        <p14:creationId xmlns="" xmlns:p14="http://schemas.microsoft.com/office/powerpoint/2010/main" val="4010505269"/>
+        <p14:creationId xmlns:p14="http://schemas.microsoft.com/office/powerpoint/2010/main" val="4010505269"/>
       </p:ext>
     </p:extLst>
   </p:cSld>
@@ -7771,7 +7772,7 @@
   <p:timing>
     <p:tnLst>
       <p:par>
-        <p:cTn id="1" dur="indefinite" restart="never" nodeType="tmRoot"/>
+        <p:cTn xmlns:p14="http://schemas.microsoft.com/office/powerpoint/2010/main" id="1" dur="indefinite" restart="never" nodeType="tmRoot"/>
       </p:par>
     </p:tnLst>
   </p:timing>
@@ -7882,7 +7883,7 @@
           <a:blip r:embed="rId2" cstate="print">
             <a:extLst>
               <a:ext uri="{28A0092B-C50C-407E-A947-70E740481C1C}">
-                <a14:useLocalDpi xmlns="" xmlns:a14="http://schemas.microsoft.com/office/drawing/2010/main" val="0"/>
+                <a14:useLocalDpi xmlns:a14="http://schemas.microsoft.com/office/drawing/2010/main" val="0"/>
               </a:ext>
             </a:extLst>
           </a:blip>
@@ -7901,8 +7902,8 @@
           </a:prstGeom>
           <a:noFill/>
           <a:extLst>
-            <a:ext uri="{909E8E84-426E-40DD-AFC4-6F175D3DCCD1}">
-              <a14:hiddenFill xmlns="" xmlns:a14="http://schemas.microsoft.com/office/drawing/2010/main">
+            <a:ext uri="{909E8E84-426E-40dd-AFC4-6F175D3DCCD1}">
+              <a14:hiddenFill xmlns:a14="http://schemas.microsoft.com/office/drawing/2010/main">
                 <a:solidFill>
                   <a:srgbClr val="FFFFFF"/>
                 </a:solidFill>
@@ -7975,7 +7976,7 @@
     </p:spTree>
     <p:extLst>
       <p:ext uri="{BB962C8B-B14F-4D97-AF65-F5344CB8AC3E}">
-        <p14:creationId xmlns="" xmlns:p14="http://schemas.microsoft.com/office/powerpoint/2010/main" val="1756666574"/>
+        <p14:creationId xmlns:p14="http://schemas.microsoft.com/office/powerpoint/2010/main" val="1756666574"/>
       </p:ext>
     </p:extLst>
   </p:cSld>
@@ -7985,7 +7986,7 @@
   <p:timing>
     <p:tnLst>
       <p:par>
-        <p:cTn id="1" dur="indefinite" restart="never" nodeType="tmRoot"/>
+        <p:cTn xmlns:p14="http://schemas.microsoft.com/office/powerpoint/2010/main" id="1" dur="indefinite" restart="never" nodeType="tmRoot"/>
       </p:par>
     </p:tnLst>
   </p:timing>
@@ -9108,15 +9109,7 @@
                   <a:sysClr val="windowText" lastClr="000000"/>
                 </a:solidFill>
               </a:rPr>
-              <a:t>Track </a:t>
-            </a:r>
-            <a:r>
-              <a:rPr lang="en-US" dirty="0" smtClean="0">
-                <a:solidFill>
-                  <a:sysClr val="windowText" lastClr="000000"/>
-                </a:solidFill>
-              </a:rPr>
-              <a:t>army composition</a:t>
+              <a:t>Track army composition</a:t>
             </a:r>
           </a:p>
           <a:p>
@@ -9199,7 +9192,7 @@
     </p:spTree>
     <p:extLst>
       <p:ext uri="{BB962C8B-B14F-4D97-AF65-F5344CB8AC3E}">
-        <p14:creationId xmlns="" xmlns:p14="http://schemas.microsoft.com/office/powerpoint/2010/main" val="1714157389"/>
+        <p14:creationId xmlns:p14="http://schemas.microsoft.com/office/powerpoint/2010/main" val="1714157389"/>
       </p:ext>
     </p:extLst>
   </p:cSld>
@@ -9209,7 +9202,7 @@
   <p:timing>
     <p:tnLst>
       <p:par>
-        <p:cTn id="1" dur="indefinite" restart="never" nodeType="tmRoot"/>
+        <p:cTn xmlns:p14="http://schemas.microsoft.com/office/powerpoint/2010/main" id="1" dur="indefinite" restart="never" nodeType="tmRoot"/>
       </p:par>
     </p:tnLst>
   </p:timing>
@@ -10342,7 +10335,7 @@
     </p:spTree>
     <p:extLst>
       <p:ext uri="{BB962C8B-B14F-4D97-AF65-F5344CB8AC3E}">
-        <p14:creationId xmlns="" xmlns:p14="http://schemas.microsoft.com/office/powerpoint/2010/main" val="2878125564"/>
+        <p14:creationId xmlns:p14="http://schemas.microsoft.com/office/powerpoint/2010/main" val="2878125564"/>
       </p:ext>
     </p:extLst>
   </p:cSld>
@@ -10352,7 +10345,7 @@
   <p:timing>
     <p:tnLst>
       <p:par>
-        <p:cTn id="1" dur="indefinite" restart="never" nodeType="tmRoot"/>
+        <p:cTn xmlns:p14="http://schemas.microsoft.com/office/powerpoint/2010/main" id="1" dur="indefinite" restart="never" nodeType="tmRoot"/>
       </p:par>
     </p:tnLst>
   </p:timing>
@@ -11610,7 +11603,7 @@
     </p:spTree>
     <p:extLst>
       <p:ext uri="{BB962C8B-B14F-4D97-AF65-F5344CB8AC3E}">
-        <p14:creationId xmlns="" xmlns:p14="http://schemas.microsoft.com/office/powerpoint/2010/main" val="799494674"/>
+        <p14:creationId xmlns:p14="http://schemas.microsoft.com/office/powerpoint/2010/main" val="799494674"/>
       </p:ext>
     </p:extLst>
   </p:cSld>
@@ -11620,7 +11613,7 @@
   <p:timing>
     <p:tnLst>
       <p:par>
-        <p:cTn id="1" dur="indefinite" restart="never" nodeType="tmRoot"/>
+        <p:cTn xmlns:p14="http://schemas.microsoft.com/office/powerpoint/2010/main" id="1" dur="indefinite" restart="never" nodeType="tmRoot"/>
       </p:par>
     </p:tnLst>
   </p:timing>
@@ -12878,7 +12871,7 @@
     </p:spTree>
     <p:extLst>
       <p:ext uri="{BB962C8B-B14F-4D97-AF65-F5344CB8AC3E}">
-        <p14:creationId xmlns="" xmlns:p14="http://schemas.microsoft.com/office/powerpoint/2010/main" val="3612248193"/>
+        <p14:creationId xmlns:p14="http://schemas.microsoft.com/office/powerpoint/2010/main" val="3612248193"/>
       </p:ext>
     </p:extLst>
   </p:cSld>
@@ -12888,7 +12881,7 @@
   <p:timing>
     <p:tnLst>
       <p:par>
-        <p:cTn id="1" dur="indefinite" restart="never" nodeType="tmRoot"/>
+        <p:cTn xmlns:p14="http://schemas.microsoft.com/office/powerpoint/2010/main" id="1" dur="indefinite" restart="never" nodeType="tmRoot"/>
       </p:par>
     </p:tnLst>
   </p:timing>
@@ -14446,7 +14439,7 @@
     </p:spTree>
     <p:extLst>
       <p:ext uri="{BB962C8B-B14F-4D97-AF65-F5344CB8AC3E}">
-        <p14:creationId xmlns="" xmlns:p14="http://schemas.microsoft.com/office/powerpoint/2010/main" val="464508250"/>
+        <p14:creationId xmlns:p14="http://schemas.microsoft.com/office/powerpoint/2010/main" val="464508250"/>
       </p:ext>
     </p:extLst>
   </p:cSld>
@@ -14456,7 +14449,7 @@
   <p:timing>
     <p:tnLst>
       <p:par>
-        <p:cTn id="1" dur="indefinite" restart="never" nodeType="tmRoot"/>
+        <p:cTn xmlns:p14="http://schemas.microsoft.com/office/powerpoint/2010/main" id="1" dur="indefinite" restart="never" nodeType="tmRoot"/>
       </p:par>
     </p:tnLst>
   </p:timing>
@@ -14522,7 +14515,7 @@
           <a:blip r:embed="rId2" cstate="print">
             <a:extLst>
               <a:ext uri="{28A0092B-C50C-407E-A947-70E740481C1C}">
-                <a14:useLocalDpi xmlns="" xmlns:a14="http://schemas.microsoft.com/office/drawing/2010/main" val="0"/>
+                <a14:useLocalDpi xmlns:a14="http://schemas.microsoft.com/office/drawing/2010/main" val="0"/>
               </a:ext>
             </a:extLst>
           </a:blip>
@@ -14541,8 +14534,8 @@
           </a:prstGeom>
           <a:noFill/>
           <a:extLst>
-            <a:ext uri="{909E8E84-426E-40DD-AFC4-6F175D3DCCD1}">
-              <a14:hiddenFill xmlns="" xmlns:a14="http://schemas.microsoft.com/office/drawing/2010/main">
+            <a:ext uri="{909E8E84-426E-40dd-AFC4-6F175D3DCCD1}">
+              <a14:hiddenFill xmlns:a14="http://schemas.microsoft.com/office/drawing/2010/main">
                 <a:solidFill>
                   <a:srgbClr val="FFFFFF"/>
                 </a:solidFill>
@@ -14942,7 +14935,7 @@
     </p:spTree>
     <p:extLst>
       <p:ext uri="{BB962C8B-B14F-4D97-AF65-F5344CB8AC3E}">
-        <p14:creationId xmlns="" xmlns:p14="http://schemas.microsoft.com/office/powerpoint/2010/main" val="79323105"/>
+        <p14:creationId xmlns:p14="http://schemas.microsoft.com/office/powerpoint/2010/main" val="79323105"/>
       </p:ext>
     </p:extLst>
   </p:cSld>
@@ -14952,7 +14945,7 @@
   <p:timing>
     <p:tnLst>
       <p:par>
-        <p:cTn id="1" dur="indefinite" restart="never" nodeType="tmRoot"/>
+        <p:cTn xmlns:p14="http://schemas.microsoft.com/office/powerpoint/2010/main" id="1" dur="indefinite" restart="never" nodeType="tmRoot"/>
       </p:par>
     </p:tnLst>
   </p:timing>
@@ -16130,7 +16123,7 @@
     </p:spTree>
     <p:extLst>
       <p:ext uri="{BB962C8B-B14F-4D97-AF65-F5344CB8AC3E}">
-        <p14:creationId xmlns="" xmlns:p14="http://schemas.microsoft.com/office/powerpoint/2010/main" val="850291249"/>
+        <p14:creationId xmlns:p14="http://schemas.microsoft.com/office/powerpoint/2010/main" val="850291249"/>
       </p:ext>
     </p:extLst>
   </p:cSld>
@@ -16140,7 +16133,7 @@
   <p:timing>
     <p:tnLst>
       <p:par>
-        <p:cTn id="1" dur="indefinite" restart="never" nodeType="tmRoot"/>
+        <p:cTn xmlns:p14="http://schemas.microsoft.com/office/powerpoint/2010/main" id="1" dur="indefinite" restart="never" nodeType="tmRoot"/>
       </p:par>
     </p:tnLst>
   </p:timing>
@@ -17478,7 +17471,7 @@
     </p:spTree>
     <p:extLst>
       <p:ext uri="{BB962C8B-B14F-4D97-AF65-F5344CB8AC3E}">
-        <p14:creationId xmlns="" xmlns:p14="http://schemas.microsoft.com/office/powerpoint/2010/main" val="1962791709"/>
+        <p14:creationId xmlns:p14="http://schemas.microsoft.com/office/powerpoint/2010/main" val="1962791709"/>
       </p:ext>
     </p:extLst>
   </p:cSld>
@@ -17488,7 +17481,7 @@
   <p:timing>
     <p:tnLst>
       <p:par>
-        <p:cTn id="1" dur="indefinite" restart="never" nodeType="tmRoot"/>
+        <p:cTn xmlns:p14="http://schemas.microsoft.com/office/powerpoint/2010/main" id="1" dur="indefinite" restart="never" nodeType="tmRoot"/>
       </p:par>
     </p:tnLst>
   </p:timing>
@@ -17974,7 +17967,7 @@
     </p:spTree>
     <p:extLst>
       <p:ext uri="{BB962C8B-B14F-4D97-AF65-F5344CB8AC3E}">
-        <p14:creationId xmlns="" xmlns:p14="http://schemas.microsoft.com/office/powerpoint/2010/main" val="527884918"/>
+        <p14:creationId xmlns:p14="http://schemas.microsoft.com/office/powerpoint/2010/main" val="527884918"/>
       </p:ext>
     </p:extLst>
   </p:cSld>
@@ -17984,7 +17977,7 @@
   <p:timing>
     <p:tnLst>
       <p:par>
-        <p:cTn id="1" dur="indefinite" restart="never" nodeType="tmRoot">
+        <p:cTn xmlns:p14="http://schemas.microsoft.com/office/powerpoint/2010/main" id="1" dur="indefinite" restart="never" nodeType="tmRoot">
           <p:childTnLst>
             <p:seq concurrent="1" nextAc="seek">
               <p:cTn id="2" dur="indefinite" nodeType="mainSeq">
@@ -18798,7 +18791,7 @@
     </p:spTree>
     <p:extLst>
       <p:ext uri="{BB962C8B-B14F-4D97-AF65-F5344CB8AC3E}">
-        <p14:creationId xmlns="" xmlns:p14="http://schemas.microsoft.com/office/powerpoint/2010/main" val="527884918"/>
+        <p14:creationId xmlns:p14="http://schemas.microsoft.com/office/powerpoint/2010/main" val="527884918"/>
       </p:ext>
     </p:extLst>
   </p:cSld>
@@ -18808,7 +18801,7 @@
   <p:timing>
     <p:tnLst>
       <p:par>
-        <p:cTn id="1" dur="indefinite" restart="never" nodeType="tmRoot"/>
+        <p:cTn xmlns:p14="http://schemas.microsoft.com/office/powerpoint/2010/main" id="1" dur="indefinite" restart="never" nodeType="tmRoot"/>
       </p:par>
     </p:tnLst>
   </p:timing>
@@ -20348,7 +20341,7 @@
     </p:spTree>
     <p:extLst>
       <p:ext uri="{BB962C8B-B14F-4D97-AF65-F5344CB8AC3E}">
-        <p14:creationId xmlns="" xmlns:p14="http://schemas.microsoft.com/office/powerpoint/2010/main" val="527884918"/>
+        <p14:creationId xmlns:p14="http://schemas.microsoft.com/office/powerpoint/2010/main" val="527884918"/>
       </p:ext>
     </p:extLst>
   </p:cSld>
@@ -20358,7 +20351,7 @@
   <p:timing>
     <p:tnLst>
       <p:par>
-        <p:cTn id="1" dur="indefinite" restart="never" nodeType="tmRoot">
+        <p:cTn xmlns:p14="http://schemas.microsoft.com/office/powerpoint/2010/main" id="1" dur="indefinite" restart="never" nodeType="tmRoot">
           <p:childTnLst>
             <p:seq concurrent="1" nextAc="seek">
               <p:cTn id="2" dur="indefinite" nodeType="mainSeq">
@@ -21035,7 +21028,7 @@
     </p:spTree>
     <p:extLst>
       <p:ext uri="{BB962C8B-B14F-4D97-AF65-F5344CB8AC3E}">
-        <p14:creationId xmlns="" xmlns:p14="http://schemas.microsoft.com/office/powerpoint/2010/main" val="527884918"/>
+        <p14:creationId xmlns:p14="http://schemas.microsoft.com/office/powerpoint/2010/main" val="527884918"/>
       </p:ext>
     </p:extLst>
   </p:cSld>
@@ -21045,7 +21038,7 @@
   <p:timing>
     <p:tnLst>
       <p:par>
-        <p:cTn id="1" dur="indefinite" restart="never" nodeType="tmRoot">
+        <p:cTn xmlns:p14="http://schemas.microsoft.com/office/powerpoint/2010/main" id="1" dur="indefinite" restart="never" nodeType="tmRoot">
           <p:childTnLst>
             <p:seq concurrent="1" nextAc="seek">
               <p:cTn id="2" dur="indefinite" nodeType="mainSeq">
@@ -21231,18 +21224,132 @@
           </a:p>
         </p:txBody>
       </p:sp>
+      <p:sp>
+        <p:nvSpPr>
+          <p:cNvPr id="7" name="32 Rectángulo"/>
+          <p:cNvSpPr/>
+          <p:nvPr/>
+        </p:nvSpPr>
+        <p:spPr>
+          <a:xfrm>
+            <a:off x="1143000" y="2667000"/>
+            <a:ext cx="7010400" cy="2133600"/>
+          </a:xfrm>
+          <a:prstGeom prst="rect">
+            <a:avLst/>
+          </a:prstGeom>
+          <a:solidFill>
+            <a:schemeClr val="accent2">
+              <a:lumMod val="40000"/>
+              <a:lumOff val="60000"/>
+            </a:schemeClr>
+          </a:solidFill>
+        </p:spPr>
+        <p:style>
+          <a:lnRef idx="2">
+            <a:schemeClr val="accent1">
+              <a:shade val="50000"/>
+            </a:schemeClr>
+          </a:lnRef>
+          <a:fillRef idx="1">
+            <a:schemeClr val="accent1"/>
+          </a:fillRef>
+          <a:effectRef idx="0">
+            <a:schemeClr val="accent1"/>
+          </a:effectRef>
+          <a:fontRef idx="minor">
+            <a:schemeClr val="lt1"/>
+          </a:fontRef>
+        </p:style>
+        <p:txBody>
+          <a:bodyPr rtlCol="0" anchor="t"/>
+          <a:lstStyle/>
+          <a:p>
+            <a:r>
+              <a:rPr lang="en-US" sz="3200" b="1" dirty="0" smtClean="0">
+                <a:solidFill>
+                  <a:sysClr val="windowText" lastClr="000000"/>
+                </a:solidFill>
+              </a:rPr>
+              <a:t>Goal:</a:t>
+            </a:r>
+          </a:p>
+          <a:p>
+            <a:r>
+              <a:rPr lang="en-US" sz="3200" dirty="0" smtClean="0">
+                <a:solidFill>
+                  <a:sysClr val="windowText" lastClr="000000"/>
+                </a:solidFill>
+              </a:rPr>
+              <a:t>Implement </a:t>
+            </a:r>
+            <a:r>
+              <a:rPr lang="en-US" sz="3200" dirty="0" smtClean="0">
+                <a:solidFill>
+                  <a:sysClr val="windowText" lastClr="000000"/>
+                </a:solidFill>
+              </a:rPr>
+              <a:t>hints to next objective in </a:t>
+            </a:r>
+            <a:r>
+              <a:rPr lang="en-US" sz="3200" i="1" dirty="0" err="1" smtClean="0">
+                <a:solidFill>
+                  <a:sysClr val="windowText" lastClr="000000"/>
+                </a:solidFill>
+              </a:rPr>
+              <a:t>Anchorhead</a:t>
+            </a:r>
+            <a:r>
+              <a:rPr lang="en-US" sz="3200" dirty="0" smtClean="0">
+                <a:solidFill>
+                  <a:sysClr val="windowText" lastClr="000000"/>
+                </a:solidFill>
+              </a:rPr>
+              <a:t> </a:t>
+            </a:r>
+            <a:r>
+              <a:rPr lang="en-US" sz="3200" dirty="0" smtClean="0">
+                <a:solidFill>
+                  <a:sysClr val="windowText" lastClr="000000"/>
+                </a:solidFill>
+              </a:rPr>
+              <a:t>to prevent players getting stuck</a:t>
+            </a:r>
+            <a:r>
+              <a:rPr lang="en-US" sz="3200" dirty="0" smtClean="0">
+                <a:solidFill>
+                  <a:sysClr val="windowText" lastClr="000000"/>
+                </a:solidFill>
+              </a:rPr>
+              <a:t>.</a:t>
+            </a:r>
+            <a:endParaRPr lang="en-US" sz="3200" dirty="0" smtClean="0">
+              <a:solidFill>
+                <a:sysClr val="windowText" lastClr="000000"/>
+              </a:solidFill>
+            </a:endParaRPr>
+          </a:p>
+          <a:p>
+            <a:endParaRPr lang="en-US" dirty="0">
+              <a:solidFill>
+                <a:sysClr val="windowText" lastClr="000000"/>
+              </a:solidFill>
+            </a:endParaRPr>
+          </a:p>
+        </p:txBody>
+      </p:sp>
     </p:spTree>
   </p:cSld>
   <p:clrMapOvr>
     <a:masterClrMapping/>
   </p:clrMapOvr>
-  <p:transition spd="slow">
+  <p:transition xmlns:p14="http://schemas.microsoft.com/office/powerpoint/2010/main" spd="slow">
     <p:cut/>
   </p:transition>
   <p:timing>
     <p:tnLst>
       <p:par>
-        <p:cTn id="1" dur="indefinite" restart="never" nodeType="tmRoot"/>
+        <p:cTn xmlns:p14="http://schemas.microsoft.com/office/powerpoint/2010/main" id="1" dur="indefinite" restart="never" nodeType="tmRoot"/>
       </p:par>
     </p:tnLst>
   </p:timing>
@@ -21429,13 +21536,13 @@
   <p:clrMapOvr>
     <a:masterClrMapping/>
   </p:clrMapOvr>
-  <p:transition spd="slow">
+  <p:transition xmlns:p14="http://schemas.microsoft.com/office/powerpoint/2010/main" spd="slow">
     <p:cut/>
   </p:transition>
   <p:timing>
     <p:tnLst>
       <p:par>
-        <p:cTn id="1" dur="indefinite" restart="never" nodeType="tmRoot"/>
+        <p:cTn xmlns:p14="http://schemas.microsoft.com/office/powerpoint/2010/main" id="1" dur="indefinite" restart="never" nodeType="tmRoot"/>
       </p:par>
     </p:tnLst>
   </p:timing>
@@ -21832,13 +21939,13 @@
   <p:clrMapOvr>
     <a:masterClrMapping/>
   </p:clrMapOvr>
-  <p:transition spd="slow">
+  <p:transition xmlns:p14="http://schemas.microsoft.com/office/powerpoint/2010/main" spd="slow">
     <p:cut/>
   </p:transition>
   <p:timing>
     <p:tnLst>
       <p:par>
-        <p:cTn id="1" dur="indefinite" restart="never" nodeType="tmRoot"/>
+        <p:cTn xmlns:p14="http://schemas.microsoft.com/office/powerpoint/2010/main" id="1" dur="indefinite" restart="never" nodeType="tmRoot"/>
       </p:par>
     </p:tnLst>
   </p:timing>
@@ -22130,13 +22237,13 @@
   <p:clrMapOvr>
     <a:masterClrMapping/>
   </p:clrMapOvr>
-  <p:transition spd="slow">
+  <p:transition xmlns:p14="http://schemas.microsoft.com/office/powerpoint/2010/main" spd="slow">
     <p:cut/>
   </p:transition>
   <p:timing>
     <p:tnLst>
       <p:par>
-        <p:cTn id="1" dur="indefinite" restart="never" nodeType="tmRoot"/>
+        <p:cTn xmlns:p14="http://schemas.microsoft.com/office/powerpoint/2010/main" id="1" dur="indefinite" restart="never" nodeType="tmRoot"/>
       </p:par>
     </p:tnLst>
   </p:timing>
@@ -22328,13 +22435,13 @@
   <p:clrMapOvr>
     <a:masterClrMapping/>
   </p:clrMapOvr>
-  <p:transition spd="slow">
+  <p:transition xmlns:p14="http://schemas.microsoft.com/office/powerpoint/2010/main" spd="slow">
     <p:cut/>
   </p:transition>
   <p:timing>
     <p:tnLst>
       <p:par>
-        <p:cTn id="1" dur="indefinite" restart="never" nodeType="tmRoot"/>
+        <p:cTn xmlns:p14="http://schemas.microsoft.com/office/powerpoint/2010/main" id="1" dur="indefinite" restart="never" nodeType="tmRoot"/>
       </p:par>
     </p:tnLst>
   </p:timing>
@@ -23510,7 +23617,7 @@
     </p:spTree>
     <p:extLst>
       <p:ext uri="{BB962C8B-B14F-4D97-AF65-F5344CB8AC3E}">
-        <p14:creationId xmlns="" xmlns:p14="http://schemas.microsoft.com/office/powerpoint/2010/main" val="240745927"/>
+        <p14:creationId xmlns:p14="http://schemas.microsoft.com/office/powerpoint/2010/main" val="240745927"/>
       </p:ext>
     </p:extLst>
   </p:cSld>
@@ -23520,7 +23627,7 @@
   <p:timing>
     <p:tnLst>
       <p:par>
-        <p:cTn id="1" dur="indefinite" restart="never" nodeType="tmRoot"/>
+        <p:cTn xmlns:p14="http://schemas.microsoft.com/office/powerpoint/2010/main" id="1" dur="indefinite" restart="never" nodeType="tmRoot"/>
       </p:par>
     </p:tnLst>
   </p:timing>
@@ -23725,13 +23832,13 @@
   <p:clrMapOvr>
     <a:masterClrMapping/>
   </p:clrMapOvr>
-  <p:transition spd="slow">
+  <p:transition xmlns:p14="http://schemas.microsoft.com/office/powerpoint/2010/main" spd="slow">
     <p:cut/>
   </p:transition>
   <p:timing>
     <p:tnLst>
       <p:par>
-        <p:cTn id="1" dur="indefinite" restart="never" nodeType="tmRoot"/>
+        <p:cTn xmlns:p14="http://schemas.microsoft.com/office/powerpoint/2010/main" id="1" dur="indefinite" restart="never" nodeType="tmRoot"/>
       </p:par>
     </p:tnLst>
   </p:timing>
@@ -23937,13 +24044,13 @@
   <p:clrMapOvr>
     <a:masterClrMapping/>
   </p:clrMapOvr>
-  <p:transition spd="slow">
+  <p:transition xmlns:p14="http://schemas.microsoft.com/office/powerpoint/2010/main" spd="slow">
     <p:cut/>
   </p:transition>
   <p:timing>
     <p:tnLst>
       <p:par>
-        <p:cTn id="1" dur="indefinite" restart="never" nodeType="tmRoot"/>
+        <p:cTn xmlns:p14="http://schemas.microsoft.com/office/powerpoint/2010/main" id="1" dur="indefinite" restart="never" nodeType="tmRoot"/>
       </p:par>
     </p:tnLst>
   </p:timing>
@@ -24183,13 +24290,13 @@
   <p:clrMapOvr>
     <a:masterClrMapping/>
   </p:clrMapOvr>
-  <p:transition spd="slow">
+  <p:transition xmlns:p14="http://schemas.microsoft.com/office/powerpoint/2010/main" spd="slow">
     <p:cut/>
   </p:transition>
   <p:timing>
     <p:tnLst>
       <p:par>
-        <p:cTn id="1" dur="indefinite" restart="never" nodeType="tmRoot"/>
+        <p:cTn xmlns:p14="http://schemas.microsoft.com/office/powerpoint/2010/main" id="1" dur="indefinite" restart="never" nodeType="tmRoot"/>
       </p:par>
     </p:tnLst>
   </p:timing>
@@ -24358,23 +24465,7 @@
           <a:p>
             <a:r>
               <a:rPr lang="en-US" dirty="0" smtClean="0"/>
-              <a:t>3 – Assign randomly the elevation of each region. But we have to ensure the existence of a path between the </a:t>
-            </a:r>
-            <a:r>
-              <a:rPr lang="en-US" dirty="0" smtClean="0"/>
-              <a:t>right-bottom </a:t>
-            </a:r>
-            <a:r>
-              <a:rPr lang="en-US" dirty="0" smtClean="0"/>
-              <a:t>region to the </a:t>
-            </a:r>
-            <a:r>
-              <a:rPr lang="en-US" dirty="0" smtClean="0"/>
-              <a:t>left-top </a:t>
-            </a:r>
-            <a:r>
-              <a:rPr lang="en-US" dirty="0" smtClean="0"/>
-              <a:t>region.</a:t>
+              <a:t>3 – Assign randomly the elevation of each region. But we have to ensure the existence of a path between the right-bottom region to the left-top region.</a:t>
             </a:r>
             <a:endParaRPr lang="en-US" dirty="0"/>
           </a:p>
@@ -24411,13 +24502,13 @@
   <p:clrMapOvr>
     <a:masterClrMapping/>
   </p:clrMapOvr>
-  <p:transition spd="slow">
+  <p:transition xmlns:p14="http://schemas.microsoft.com/office/powerpoint/2010/main" spd="slow">
     <p:cut/>
   </p:transition>
   <p:timing>
     <p:tnLst>
       <p:par>
-        <p:cTn id="1" dur="indefinite" restart="never" nodeType="tmRoot"/>
+        <p:cTn xmlns:p14="http://schemas.microsoft.com/office/powerpoint/2010/main" id="1" dur="indefinite" restart="never" nodeType="tmRoot"/>
       </p:par>
     </p:tnLst>
   </p:timing>
@@ -24623,13 +24714,13 @@
   <p:clrMapOvr>
     <a:masterClrMapping/>
   </p:clrMapOvr>
-  <p:transition spd="slow">
+  <p:transition xmlns:p14="http://schemas.microsoft.com/office/powerpoint/2010/main" spd="slow">
     <p:cut/>
   </p:transition>
   <p:timing>
     <p:tnLst>
       <p:par>
-        <p:cTn id="1" dur="indefinite" restart="never" nodeType="tmRoot"/>
+        <p:cTn xmlns:p14="http://schemas.microsoft.com/office/powerpoint/2010/main" id="1" dur="indefinite" restart="never" nodeType="tmRoot"/>
       </p:par>
     </p:tnLst>
   </p:timing>
@@ -24798,11 +24889,7 @@
           <a:p>
             <a:r>
               <a:rPr lang="en-US" dirty="0" smtClean="0"/>
-              <a:t>4 – </a:t>
-            </a:r>
-            <a:r>
-              <a:rPr lang="en-US" dirty="0" smtClean="0"/>
-              <a:t>Convert our abstract map into </a:t>
+              <a:t>4 – Convert our abstract map into </a:t>
             </a:r>
             <a:r>
               <a:rPr lang="en-US" dirty="0" err="1" smtClean="0"/>
@@ -24912,13 +24999,13 @@
   <p:clrMapOvr>
     <a:masterClrMapping/>
   </p:clrMapOvr>
-  <p:transition spd="slow">
+  <p:transition xmlns:p14="http://schemas.microsoft.com/office/powerpoint/2010/main" spd="slow">
     <p:cut/>
   </p:transition>
   <p:timing>
     <p:tnLst>
       <p:par>
-        <p:cTn id="1" dur="indefinite" restart="never" nodeType="tmRoot"/>
+        <p:cTn xmlns:p14="http://schemas.microsoft.com/office/powerpoint/2010/main" id="1" dur="indefinite" restart="never" nodeType="tmRoot"/>
       </p:par>
     </p:tnLst>
   </p:timing>
@@ -25192,13 +25279,13 @@
   <p:clrMapOvr>
     <a:masterClrMapping/>
   </p:clrMapOvr>
-  <p:transition spd="slow">
+  <p:transition xmlns:p14="http://schemas.microsoft.com/office/powerpoint/2010/main" spd="slow">
     <p:cut/>
   </p:transition>
   <p:timing>
     <p:tnLst>
       <p:par>
-        <p:cTn id="1" dur="indefinite" restart="never" nodeType="tmRoot"/>
+        <p:cTn xmlns:p14="http://schemas.microsoft.com/office/powerpoint/2010/main" id="1" dur="indefinite" restart="never" nodeType="tmRoot"/>
       </p:par>
     </p:tnLst>
   </p:timing>
@@ -25455,13 +25542,13 @@
   <p:clrMapOvr>
     <a:masterClrMapping/>
   </p:clrMapOvr>
-  <p:transition spd="slow">
+  <p:transition xmlns:p14="http://schemas.microsoft.com/office/powerpoint/2010/main" spd="slow">
     <p:cut/>
   </p:transition>
   <p:timing>
     <p:tnLst>
       <p:par>
-        <p:cTn id="1" dur="indefinite" restart="never" nodeType="tmRoot"/>
+        <p:cTn xmlns:p14="http://schemas.microsoft.com/office/powerpoint/2010/main" id="1" dur="indefinite" restart="never" nodeType="tmRoot"/>
       </p:par>
     </p:tnLst>
   </p:timing>
@@ -26522,7 +26609,7 @@
     </p:spTree>
     <p:extLst>
       <p:ext uri="{BB962C8B-B14F-4D97-AF65-F5344CB8AC3E}">
-        <p14:creationId xmlns="" xmlns:p14="http://schemas.microsoft.com/office/powerpoint/2010/main" val="991279201"/>
+        <p14:creationId xmlns:p14="http://schemas.microsoft.com/office/powerpoint/2010/main" val="991279201"/>
       </p:ext>
     </p:extLst>
   </p:cSld>
@@ -26532,7 +26619,7 @@
   <p:timing>
     <p:tnLst>
       <p:par>
-        <p:cTn id="1" dur="indefinite" restart="never" nodeType="tmRoot"/>
+        <p:cTn xmlns:p14="http://schemas.microsoft.com/office/powerpoint/2010/main" id="1" dur="indefinite" restart="never" nodeType="tmRoot"/>
       </p:par>
     </p:tnLst>
   </p:timing>
@@ -26652,11 +26739,7 @@
             </a:r>
             <a:r>
               <a:rPr lang="en-US" dirty="0" smtClean="0"/>
-              <a:t> </a:t>
-            </a:r>
-            <a:r>
-              <a:rPr lang="en-US" dirty="0" smtClean="0"/>
-              <a:t>Diagrams to detect Regions and </a:t>
+              <a:t> Diagrams to detect Regions and </a:t>
             </a:r>
             <a:r>
               <a:rPr lang="en-US" dirty="0" err="1" smtClean="0"/>
@@ -26733,7 +26816,7 @@
     </p:spTree>
     <p:extLst>
       <p:ext uri="{BB962C8B-B14F-4D97-AF65-F5344CB8AC3E}">
-        <p14:creationId xmlns="" xmlns:p14="http://schemas.microsoft.com/office/powerpoint/2010/main" val="1062390099"/>
+        <p14:creationId xmlns:p14="http://schemas.microsoft.com/office/powerpoint/2010/main" val="1062390099"/>
       </p:ext>
     </p:extLst>
   </p:cSld>
@@ -26743,7 +26826,7 @@
   <p:timing>
     <p:tnLst>
       <p:par>
-        <p:cTn id="1" dur="indefinite" restart="never" nodeType="tmRoot"/>
+        <p:cTn xmlns:p14="http://schemas.microsoft.com/office/powerpoint/2010/main" id="1" dur="indefinite" restart="never" nodeType="tmRoot"/>
       </p:par>
     </p:tnLst>
   </p:timing>
@@ -26829,15 +26912,7 @@
             <a:pPr algn="ctr"/>
             <a:r>
               <a:rPr lang="en-US" dirty="0" smtClean="0"/>
-              <a:t>Our threat map is a matrix of the map where every cell is the DPS (Damage Per Second) </a:t>
-            </a:r>
-            <a:r>
-              <a:rPr lang="en-US" dirty="0" smtClean="0"/>
-              <a:t>that our </a:t>
-            </a:r>
-            <a:r>
-              <a:rPr lang="en-US" dirty="0" smtClean="0"/>
-              <a:t>opponent can do.</a:t>
+              <a:t>Our threat map is a matrix of the map where every cell is the DPS (Damage Per Second) that our opponent can do.</a:t>
             </a:r>
             <a:endParaRPr lang="en-US" dirty="0"/>
           </a:p>
@@ -26855,7 +26930,7 @@
           <a:blip r:embed="rId2" cstate="print">
             <a:extLst>
               <a:ext uri="{28A0092B-C50C-407E-A947-70E740481C1C}">
-                <a14:useLocalDpi xmlns="" xmlns:a14="http://schemas.microsoft.com/office/drawing/2010/main" val="0"/>
+                <a14:useLocalDpi xmlns:a14="http://schemas.microsoft.com/office/drawing/2010/main" val="0"/>
               </a:ext>
             </a:extLst>
           </a:blip>
@@ -26874,8 +26949,8 @@
           </a:prstGeom>
           <a:noFill/>
           <a:extLst>
-            <a:ext uri="{909E8E84-426E-40DD-AFC4-6F175D3DCCD1}">
-              <a14:hiddenFill xmlns="" xmlns:a14="http://schemas.microsoft.com/office/drawing/2010/main">
+            <a:ext uri="{909E8E84-426E-40dd-AFC4-6F175D3DCCD1}">
+              <a14:hiddenFill xmlns:a14="http://schemas.microsoft.com/office/drawing/2010/main">
                 <a:solidFill>
                   <a:srgbClr val="FFFFFF"/>
                 </a:solidFill>
@@ -26948,7 +27023,7 @@
     </p:spTree>
     <p:extLst>
       <p:ext uri="{BB962C8B-B14F-4D97-AF65-F5344CB8AC3E}">
-        <p14:creationId xmlns="" xmlns:p14="http://schemas.microsoft.com/office/powerpoint/2010/main" val="2007822478"/>
+        <p14:creationId xmlns:p14="http://schemas.microsoft.com/office/powerpoint/2010/main" val="2007822478"/>
       </p:ext>
     </p:extLst>
   </p:cSld>
@@ -26958,7 +27033,7 @@
   <p:timing>
     <p:tnLst>
       <p:par>
-        <p:cTn id="1" dur="indefinite" restart="never" nodeType="tmRoot"/>
+        <p:cTn xmlns:p14="http://schemas.microsoft.com/office/powerpoint/2010/main" id="1" dur="indefinite" restart="never" nodeType="tmRoot"/>
       </p:par>
     </p:tnLst>
   </p:timing>
@@ -27070,7 +27145,7 @@
           <a:blip r:embed="rId2" cstate="print">
             <a:extLst>
               <a:ext uri="{28A0092B-C50C-407E-A947-70E740481C1C}">
-                <a14:useLocalDpi xmlns="" xmlns:a14="http://schemas.microsoft.com/office/drawing/2010/main" val="0"/>
+                <a14:useLocalDpi xmlns:a14="http://schemas.microsoft.com/office/drawing/2010/main" val="0"/>
               </a:ext>
             </a:extLst>
           </a:blip>
@@ -27089,8 +27164,8 @@
           </a:prstGeom>
           <a:noFill/>
           <a:extLst>
-            <a:ext uri="{909E8E84-426E-40DD-AFC4-6F175D3DCCD1}">
-              <a14:hiddenFill xmlns="" xmlns:a14="http://schemas.microsoft.com/office/drawing/2010/main">
+            <a:ext uri="{909E8E84-426E-40dd-AFC4-6F175D3DCCD1}">
+              <a14:hiddenFill xmlns:a14="http://schemas.microsoft.com/office/drawing/2010/main">
                 <a:solidFill>
                   <a:srgbClr val="FFFFFF"/>
                 </a:solidFill>
@@ -27163,7 +27238,7 @@
     </p:spTree>
     <p:extLst>
       <p:ext uri="{BB962C8B-B14F-4D97-AF65-F5344CB8AC3E}">
-        <p14:creationId xmlns="" xmlns:p14="http://schemas.microsoft.com/office/powerpoint/2010/main" val="2687416414"/>
+        <p14:creationId xmlns:p14="http://schemas.microsoft.com/office/powerpoint/2010/main" val="2687416414"/>
       </p:ext>
     </p:extLst>
   </p:cSld>
@@ -27173,7 +27248,7 @@
   <p:timing>
     <p:tnLst>
       <p:par>
-        <p:cTn id="1" dur="indefinite" restart="never" nodeType="tmRoot"/>
+        <p:cTn xmlns:p14="http://schemas.microsoft.com/office/powerpoint/2010/main" id="1" dur="indefinite" restart="never" nodeType="tmRoot"/>
       </p:par>
     </p:tnLst>
   </p:timing>
@@ -28109,7 +28184,7 @@
     </p:spTree>
     <p:extLst>
       <p:ext uri="{BB962C8B-B14F-4D97-AF65-F5344CB8AC3E}">
-        <p14:creationId xmlns="" xmlns:p14="http://schemas.microsoft.com/office/powerpoint/2010/main" val="743235833"/>
+        <p14:creationId xmlns:p14="http://schemas.microsoft.com/office/powerpoint/2010/main" val="743235833"/>
       </p:ext>
     </p:extLst>
   </p:cSld>
@@ -28119,7 +28194,7 @@
   <p:timing>
     <p:tnLst>
       <p:par>
-        <p:cTn id="1" dur="indefinite" restart="never" nodeType="tmRoot"/>
+        <p:cTn xmlns:p14="http://schemas.microsoft.com/office/powerpoint/2010/main" id="1" dur="indefinite" restart="never" nodeType="tmRoot"/>
       </p:par>
     </p:tnLst>
   </p:timing>
@@ -29215,7 +29290,7 @@
     </p:spTree>
     <p:extLst>
       <p:ext uri="{BB962C8B-B14F-4D97-AF65-F5344CB8AC3E}">
-        <p14:creationId xmlns="" xmlns:p14="http://schemas.microsoft.com/office/powerpoint/2010/main" val="2677880483"/>
+        <p14:creationId xmlns:p14="http://schemas.microsoft.com/office/powerpoint/2010/main" val="2677880483"/>
       </p:ext>
     </p:extLst>
   </p:cSld>
@@ -29225,7 +29300,7 @@
   <p:timing>
     <p:tnLst>
       <p:par>
-        <p:cTn id="1" dur="indefinite" restart="never" nodeType="tmRoot"/>
+        <p:cTn xmlns:p14="http://schemas.microsoft.com/office/powerpoint/2010/main" id="1" dur="indefinite" restart="never" nodeType="tmRoot"/>
       </p:par>
     </p:tnLst>
   </p:timing>

--- a/docs/CS680Presentation.pptx
+++ b/docs/CS680Presentation.pptx
@@ -42,7 +42,7 @@
     <p:sldId id="292" r:id="rId33"/>
     <p:sldId id="293" r:id="rId34"/>
     <p:sldId id="294" r:id="rId35"/>
-    <p:sldId id="295" r:id="rId36"/>
+    <p:sldId id="296" r:id="rId36"/>
     <p:sldId id="284" r:id="rId37"/>
     <p:sldId id="285" r:id="rId38"/>
   </p:sldIdLst>
@@ -24015,23 +24015,28 @@
       </p:sp>
       <p:pic>
         <p:nvPicPr>
-          <p:cNvPr id="57346" name="Picture 2" descr="E:\Tesis\PSMAGE\docs\PCG01.png"/>
+          <p:cNvPr id="57346" name="Picture 2"/>
           <p:cNvPicPr>
             <a:picLocks noChangeAspect="1" noChangeArrowheads="1"/>
           </p:cNvPicPr>
           <p:nvPr/>
         </p:nvPicPr>
         <p:blipFill>
-          <a:blip r:embed="rId4" cstate="print"/>
-          <a:srcRect/>
+          <a:blip r:embed="rId4">
+            <a:extLst>
+              <a:ext uri="{28A0092B-C50C-407E-A947-70E740481C1C}">
+                <a14:useLocalDpi xmlns:a14="http://schemas.microsoft.com/office/drawing/2010/main" val="0"/>
+              </a:ext>
+            </a:extLst>
+          </a:blip>
           <a:stretch>
             <a:fillRect/>
           </a:stretch>
         </p:blipFill>
         <p:spPr bwMode="auto">
           <a:xfrm>
-            <a:off x="2209800" y="2209800"/>
-            <a:ext cx="4936430" cy="4343400"/>
+            <a:off x="2209800" y="2219317"/>
+            <a:ext cx="4936430" cy="4324365"/>
           </a:xfrm>
           <a:prstGeom prst="rect">
             <a:avLst/>
@@ -24261,23 +24266,28 @@
       </p:pic>
       <p:pic>
         <p:nvPicPr>
-          <p:cNvPr id="58370" name="Picture 2" descr="E:\Tesis\PSMAGE\docs\PCG02.png"/>
+          <p:cNvPr id="58370" name="Picture 2"/>
           <p:cNvPicPr>
             <a:picLocks noChangeAspect="1" noChangeArrowheads="1"/>
           </p:cNvPicPr>
           <p:nvPr/>
         </p:nvPicPr>
         <p:blipFill>
-          <a:blip r:embed="rId5" cstate="print"/>
-          <a:srcRect/>
+          <a:blip r:embed="rId5">
+            <a:extLst>
+              <a:ext uri="{28A0092B-C50C-407E-A947-70E740481C1C}">
+                <a14:useLocalDpi xmlns:a14="http://schemas.microsoft.com/office/drawing/2010/main" val="0"/>
+              </a:ext>
+            </a:extLst>
+          </a:blip>
           <a:stretch>
             <a:fillRect/>
           </a:stretch>
         </p:blipFill>
         <p:spPr bwMode="auto">
           <a:xfrm>
-            <a:off x="3124200" y="2209800"/>
-            <a:ext cx="5105400" cy="4492070"/>
+            <a:off x="3124200" y="2219642"/>
+            <a:ext cx="5105400" cy="4472385"/>
           </a:xfrm>
           <a:prstGeom prst="rect">
             <a:avLst/>
@@ -24473,23 +24483,28 @@
       </p:sp>
       <p:pic>
         <p:nvPicPr>
-          <p:cNvPr id="59394" name="Picture 2" descr="E:\Tesis\PSMAGE\docs\PCG03.png"/>
+          <p:cNvPr id="59394" name="Picture 2"/>
           <p:cNvPicPr>
             <a:picLocks noChangeAspect="1" noChangeArrowheads="1"/>
           </p:cNvPicPr>
           <p:nvPr/>
         </p:nvPicPr>
         <p:blipFill>
-          <a:blip r:embed="rId4" cstate="print"/>
-          <a:srcRect/>
+          <a:blip r:embed="rId4">
+            <a:extLst>
+              <a:ext uri="{28A0092B-C50C-407E-A947-70E740481C1C}">
+                <a14:useLocalDpi xmlns:a14="http://schemas.microsoft.com/office/drawing/2010/main" val="0"/>
+              </a:ext>
+            </a:extLst>
+          </a:blip>
           <a:stretch>
             <a:fillRect/>
           </a:stretch>
         </p:blipFill>
         <p:spPr bwMode="auto">
           <a:xfrm>
-            <a:off x="2133600" y="2362200"/>
-            <a:ext cx="4757738" cy="4193278"/>
+            <a:off x="2133600" y="2374924"/>
+            <a:ext cx="4757738" cy="4167829"/>
           </a:xfrm>
           <a:prstGeom prst="rect">
             <a:avLst/>
@@ -24685,23 +24700,28 @@
       </p:sp>
       <p:pic>
         <p:nvPicPr>
-          <p:cNvPr id="60418" name="Picture 2" descr="E:\Tesis\PSMAGE\docs\PCG04.png"/>
+          <p:cNvPr id="60418" name="Picture 2"/>
           <p:cNvPicPr>
             <a:picLocks noChangeAspect="1" noChangeArrowheads="1"/>
           </p:cNvPicPr>
           <p:nvPr/>
         </p:nvPicPr>
         <p:blipFill>
-          <a:blip r:embed="rId4" cstate="print"/>
-          <a:srcRect/>
+          <a:blip r:embed="rId4">
+            <a:extLst>
+              <a:ext uri="{28A0092B-C50C-407E-A947-70E740481C1C}">
+                <a14:useLocalDpi xmlns:a14="http://schemas.microsoft.com/office/drawing/2010/main" val="0"/>
+              </a:ext>
+            </a:extLst>
+          </a:blip>
           <a:stretch>
             <a:fillRect/>
           </a:stretch>
         </p:blipFill>
         <p:spPr bwMode="auto">
           <a:xfrm>
-            <a:off x="2108341" y="2362200"/>
-            <a:ext cx="4749659" cy="4191000"/>
+            <a:off x="2108341" y="2377324"/>
+            <a:ext cx="4749659" cy="4160752"/>
           </a:xfrm>
           <a:prstGeom prst="rect">
             <a:avLst/>
@@ -24889,7 +24909,15 @@
           <a:p>
             <a:r>
               <a:rPr lang="en-US" dirty="0" smtClean="0"/>
-              <a:t>4 – Convert our abstract map into </a:t>
+              <a:t>5 </a:t>
+            </a:r>
+            <a:r>
+              <a:rPr lang="en-US" dirty="0" smtClean="0"/>
+              <a:t>– </a:t>
+            </a:r>
+            <a:r>
+              <a:rPr lang="en-US" dirty="0" smtClean="0"/>
+              <a:t>Convert our abstract map into </a:t>
             </a:r>
             <a:r>
               <a:rPr lang="en-US" dirty="0" err="1" smtClean="0"/>
@@ -24897,104 +24925,48 @@
             </a:r>
             <a:r>
               <a:rPr lang="en-US" dirty="0" smtClean="0"/>
-              <a:t> map.</a:t>
-            </a:r>
-            <a:endParaRPr lang="en-US" dirty="0"/>
-          </a:p>
-        </p:txBody>
-      </p:sp>
-      <p:sp>
-        <p:nvSpPr>
-          <p:cNvPr id="10" name="9 Rectángulo"/>
-          <p:cNvSpPr/>
-          <p:nvPr/>
-        </p:nvSpPr>
-        <p:spPr>
-          <a:xfrm>
-            <a:off x="1219200" y="2895600"/>
-            <a:ext cx="6705600" cy="2362200"/>
+              <a:t> map</a:t>
+            </a:r>
+          </a:p>
+        </p:txBody>
+      </p:sp>
+      <p:pic>
+        <p:nvPicPr>
+          <p:cNvPr id="60418" name="Picture 2"/>
+          <p:cNvPicPr>
+            <a:picLocks noChangeAspect="1" noChangeArrowheads="1"/>
+          </p:cNvPicPr>
+          <p:nvPr/>
+        </p:nvPicPr>
+        <p:blipFill>
+          <a:blip r:embed="rId4">
+            <a:extLst>
+              <a:ext uri="{28A0092B-C50C-407E-A947-70E740481C1C}">
+                <a14:useLocalDpi xmlns:a14="http://schemas.microsoft.com/office/drawing/2010/main" val="0"/>
+              </a:ext>
+            </a:extLst>
+          </a:blip>
+          <a:stretch>
+            <a:fillRect/>
+          </a:stretch>
+        </p:blipFill>
+        <p:spPr bwMode="auto">
+          <a:xfrm>
+            <a:off x="990600" y="1905000"/>
+            <a:ext cx="7010400" cy="4760505"/>
           </a:xfrm>
           <a:prstGeom prst="rect">
             <a:avLst/>
           </a:prstGeom>
           <a:noFill/>
-          <a:ln>
-            <a:solidFill>
-              <a:schemeClr val="tx1"/>
-            </a:solidFill>
-            <a:prstDash val="dash"/>
-          </a:ln>
-        </p:spPr>
-        <p:style>
-          <a:lnRef idx="2">
-            <a:schemeClr val="accent1">
-              <a:shade val="50000"/>
-            </a:schemeClr>
-          </a:lnRef>
-          <a:fillRef idx="1">
-            <a:schemeClr val="accent1"/>
-          </a:fillRef>
-          <a:effectRef idx="0">
-            <a:schemeClr val="accent1"/>
-          </a:effectRef>
-          <a:fontRef idx="minor">
-            <a:schemeClr val="lt1"/>
-          </a:fontRef>
-        </p:style>
-        <p:txBody>
-          <a:bodyPr rtlCol="0" anchor="ctr"/>
-          <a:lstStyle/>
-          <a:p>
-            <a:pPr algn="ctr"/>
-            <a:r>
-              <a:rPr lang="en-US" sz="3600" i="1" dirty="0" smtClean="0">
-                <a:solidFill>
-                  <a:schemeClr val="tx1"/>
-                </a:solidFill>
-              </a:rPr>
-              <a:t>Here we have to put the screenshot of the </a:t>
-            </a:r>
-            <a:r>
-              <a:rPr lang="en-US" sz="3600" i="1" dirty="0" err="1" smtClean="0">
-                <a:solidFill>
-                  <a:schemeClr val="tx1"/>
-                </a:solidFill>
-              </a:rPr>
-              <a:t>Starcraft</a:t>
-            </a:r>
-            <a:r>
-              <a:rPr lang="en-US" sz="3600" i="1" dirty="0" smtClean="0">
-                <a:solidFill>
-                  <a:schemeClr val="tx1"/>
-                </a:solidFill>
-              </a:rPr>
-              <a:t> map. If we can finish the converter, use </a:t>
-            </a:r>
-            <a:r>
-              <a:rPr lang="en-US" sz="3600" i="1" dirty="0" err="1" smtClean="0">
-                <a:solidFill>
-                  <a:schemeClr val="tx1"/>
-                </a:solidFill>
-              </a:rPr>
-              <a:t>StarEdit</a:t>
-            </a:r>
-            <a:r>
-              <a:rPr lang="en-US" sz="3600" i="1" dirty="0" smtClean="0">
-                <a:solidFill>
-                  <a:schemeClr val="tx1"/>
-                </a:solidFill>
-              </a:rPr>
-              <a:t>.</a:t>
-            </a:r>
-            <a:endParaRPr lang="en-US" sz="3600" i="1" dirty="0">
-              <a:solidFill>
-                <a:schemeClr val="tx1"/>
-              </a:solidFill>
-            </a:endParaRPr>
-          </a:p>
-        </p:txBody>
-      </p:sp>
+        </p:spPr>
+      </p:pic>
     </p:spTree>
+    <p:extLst>
+      <p:ext uri="{BB962C8B-B14F-4D97-AF65-F5344CB8AC3E}">
+        <p14:creationId xmlns:p14="http://schemas.microsoft.com/office/powerpoint/2010/main" val="687469093"/>
+      </p:ext>
+    </p:extLst>
   </p:cSld>
   <p:clrMapOvr>
     <a:masterClrMapping/>
@@ -25042,7 +25014,7 @@
         <p:spPr>
           <a:xfrm>
             <a:off x="457200" y="1600200"/>
-            <a:ext cx="4419600" cy="4868995"/>
+            <a:ext cx="4419600" cy="4895668"/>
           </a:xfrm>
           <a:prstGeom prst="rect">
             <a:avLst/>
@@ -25060,11 +25032,19 @@
           <a:p>
             <a:pPr lvl="0" rtl="0"/>
             <a:r>
-              <a:rPr dirty="0"/>
-              <a:t>Step 2: </a:t>
-            </a:r>
-            <a:r>
-              <a:rPr dirty="0" smtClean="0"/>
+              <a:rPr lang="en-US" smtClean="0"/>
+              <a:t>Conversion</a:t>
+            </a:r>
+            <a:r>
+              <a:rPr smtClean="0"/>
+              <a:t>:</a:t>
+            </a:r>
+            <a:r>
+              <a:rPr lang="en-US"/>
+              <a:t> </a:t>
+            </a:r>
+            <a:r>
+              <a:rPr smtClean="0"/>
               <a:t>Parses</a:t>
             </a:r>
             <a:r>

--- a/docs/CS680Presentation.pptx
+++ b/docs/CS680Presentation.pptx
@@ -5,7 +5,7 @@
     <p:sldMasterId id="2147483648" r:id="rId1"/>
   </p:sldMasterIdLst>
   <p:notesMasterIdLst>
-    <p:notesMasterId r:id="rId39"/>
+    <p:notesMasterId r:id="rId40"/>
   </p:notesMasterIdLst>
   <p:sldIdLst>
     <p:sldId id="286" r:id="rId2"/>
@@ -45,6 +45,7 @@
     <p:sldId id="296" r:id="rId36"/>
     <p:sldId id="284" r:id="rId37"/>
     <p:sldId id="285" r:id="rId38"/>
+    <p:sldId id="297" r:id="rId39"/>
   </p:sldIdLst>
   <p:sldSz cx="9144000" cy="6858000" type="screen4x3"/>
   <p:notesSz cx="6858000" cy="9144000"/>
@@ -229,7 +230,7 @@
             <a:fld id="{86BD080F-59E1-4889-82B2-94C34819E36D}" type="datetimeFigureOut">
               <a:rPr lang="en-US" smtClean="0"/>
               <a:pPr/>
-              <a:t>3/17/12</a:t>
+              <a:t>3/18/2012</a:t>
             </a:fld>
             <a:endParaRPr lang="en-US"/>
           </a:p>
@@ -391,7 +392,7 @@
             <a:fld id="{FD9330B2-2D8C-46C8-A0B5-2369B0D50E38}" type="slidenum">
               <a:rPr lang="en-US" smtClean="0"/>
               <a:pPr/>
-              <a:t>‹#›</a:t>
+              <a:t>‹Nº›</a:t>
             </a:fld>
             <a:endParaRPr lang="en-US"/>
           </a:p>
@@ -400,7 +401,7 @@
     </p:spTree>
     <p:extLst>
       <p:ext uri="{BB962C8B-B14F-4D97-AF65-F5344CB8AC3E}">
-        <p14:creationId xmlns:p14="http://schemas.microsoft.com/office/powerpoint/2010/main" val="2609443646"/>
+        <p14:creationId xmlns:p14="http://schemas.microsoft.com/office/powerpoint/2010/main" xmlns="" val="2609443646"/>
       </p:ext>
     </p:extLst>
   </p:cSld>
@@ -1045,6 +1046,147 @@
 </p:notes>
 </file>
 
+<file path=ppt/notesSlides/notesSlide14.xml><?xml version="1.0" encoding="utf-8"?>
+<p:notes xmlns:a="http://schemas.openxmlformats.org/drawingml/2006/main" xmlns:r="http://schemas.openxmlformats.org/officeDocument/2006/relationships" xmlns:p="http://schemas.openxmlformats.org/presentationml/2006/main" showMasterSp="0" showMasterPhAnim="0">
+  <p:cSld>
+    <p:spTree>
+      <p:nvGrpSpPr>
+        <p:cNvPr id="1" name="Shape 578"/>
+        <p:cNvGrpSpPr/>
+        <p:nvPr/>
+      </p:nvGrpSpPr>
+      <p:grpSpPr>
+        <a:xfrm>
+          <a:off x="0" y="0"/>
+          <a:ext cx="0" cy="0"/>
+          <a:chOff x="0" y="0"/>
+          <a:chExt cx="0" cy="0"/>
+        </a:xfrm>
+      </p:grpSpPr>
+      <p:sp>
+        <p:nvSpPr>
+          <p:cNvPr id="579" name="Shape 579"/>
+          <p:cNvSpPr>
+            <a:spLocks noGrp="1" noRot="1" noChangeAspect="1"/>
+          </p:cNvSpPr>
+          <p:nvPr>
+            <p:ph type="sldImg" idx="2"/>
+          </p:nvPr>
+        </p:nvSpPr>
+        <p:spPr>
+          <a:xfrm>
+            <a:off x="1143000" y="685800"/>
+            <a:ext cx="4572000" cy="3429000"/>
+          </a:xfrm>
+          <a:custGeom>
+            <a:avLst/>
+            <a:gdLst/>
+            <a:ahLst/>
+            <a:cxnLst/>
+            <a:rect l="0" t="0" r="0" b="0"/>
+            <a:pathLst>
+              <a:path w="120000" h="120000" extrusionOk="0">
+                <a:moveTo>
+                  <a:pt x="0" y="0"/>
+                </a:moveTo>
+                <a:lnTo>
+                  <a:pt x="120000" y="0"/>
+                </a:lnTo>
+                <a:lnTo>
+                  <a:pt x="120000" y="120000"/>
+                </a:lnTo>
+                <a:lnTo>
+                  <a:pt x="0" y="120000"/>
+                </a:lnTo>
+                <a:close/>
+              </a:path>
+            </a:pathLst>
+          </a:custGeom>
+          <a:noFill/>
+          <a:ln w="9525" cap="flat">
+            <a:solidFill>
+              <a:srgbClr val="000000"/>
+            </a:solidFill>
+            <a:prstDash val="solid"/>
+            <a:round/>
+            <a:headEnd type="none" w="sm" len="sm"/>
+            <a:tailEnd type="none" w="sm" len="sm"/>
+          </a:ln>
+        </p:spPr>
+      </p:sp>
+      <p:sp>
+        <p:nvSpPr>
+          <p:cNvPr id="580" name="Shape 580"/>
+          <p:cNvSpPr>
+            <a:spLocks noGrp="1"/>
+          </p:cNvSpPr>
+          <p:nvPr>
+            <p:ph type="body" idx="1"/>
+          </p:nvPr>
+        </p:nvSpPr>
+        <p:spPr>
+          <a:xfrm>
+            <a:off x="685800" y="4343400"/>
+            <a:ext cx="5486399" cy="4114800"/>
+          </a:xfrm>
+          <a:prstGeom prst="rect">
+            <a:avLst/>
+          </a:prstGeom>
+          <a:noFill/>
+          <a:ln>
+            <a:noFill/>
+          </a:ln>
+        </p:spPr>
+        <p:txBody>
+          <a:bodyPr lIns="91425" tIns="91425" rIns="91425" bIns="91425" anchor="t" anchorCtr="0">
+            <a:spAutoFit/>
+          </a:bodyPr>
+          <a:lstStyle/>
+          <a:p>
+            <a:r>
+              <a:rPr lang="en-US" dirty="0" smtClean="0"/>
+              <a:t>[Offline] It takes place during game design.</a:t>
+            </a:r>
+          </a:p>
+          <a:p>
+            <a:r>
+              <a:rPr lang="en-US" dirty="0" smtClean="0"/>
+              <a:t>[Necessary] The content generated is necessary to play a tournament game.</a:t>
+            </a:r>
+          </a:p>
+          <a:p>
+            <a:r>
+              <a:rPr lang="en-US" dirty="0" smtClean="0"/>
+              <a:t>[Control vector] We defined some features (map size, number of regions, \% hills) which a game designer can decide.</a:t>
+            </a:r>
+          </a:p>
+          <a:p>
+            <a:r>
+              <a:rPr lang="en-US" dirty="0" smtClean="0"/>
+              <a:t>[Stochastic] Given the same features the output is unpredictable.</a:t>
+            </a:r>
+          </a:p>
+          <a:p>
+            <a:r>
+              <a:rPr lang="en-US" smtClean="0"/>
+              <a:t>[Constructive </a:t>
+            </a:r>
+            <a:r>
+              <a:rPr lang="en-US" dirty="0" smtClean="0"/>
+              <a:t>and Generate \&amp; Test] Some steps are purely designed to give a valid output, but some others steps must satisfy a fitness function.</a:t>
+            </a:r>
+            <a:endParaRPr dirty="0"/>
+          </a:p>
+        </p:txBody>
+      </p:sp>
+    </p:spTree>
+  </p:cSld>
+  <p:clrMapOvr>
+    <a:masterClrMapping/>
+  </p:clrMapOvr>
+</p:notes>
+</file>
+
 <file path=ppt/notesSlides/notesSlide2.xml><?xml version="1.0" encoding="utf-8"?>
 <p:notes xmlns:a="http://schemas.openxmlformats.org/drawingml/2006/main" xmlns:r="http://schemas.openxmlformats.org/officeDocument/2006/relationships" xmlns:p="http://schemas.openxmlformats.org/presentationml/2006/main" showMasterSp="0" showMasterPhAnim="0">
   <p:cSld>
@@ -2099,7 +2241,7 @@
             <a:fld id="{8FCE8BCB-785D-411B-A74C-42F0947B65C9}" type="datetimeFigureOut">
               <a:rPr lang="en-US" smtClean="0"/>
               <a:pPr/>
-              <a:t>3/17/12</a:t>
+              <a:t>3/18/2012</a:t>
             </a:fld>
             <a:endParaRPr lang="en-US"/>
           </a:p>
@@ -2142,7 +2284,7 @@
             <a:fld id="{B399811B-96E0-4CFB-A18D-5C08E7CDD9A9}" type="slidenum">
               <a:rPr lang="en-US" smtClean="0"/>
               <a:pPr/>
-              <a:t>‹#›</a:t>
+              <a:t>‹Nº›</a:t>
             </a:fld>
             <a:endParaRPr lang="en-US"/>
           </a:p>
@@ -2151,7 +2293,7 @@
     </p:spTree>
     <p:extLst>
       <p:ext uri="{BB962C8B-B14F-4D97-AF65-F5344CB8AC3E}">
-        <p14:creationId xmlns:p14="http://schemas.microsoft.com/office/powerpoint/2010/main" val="1250395099"/>
+        <p14:creationId xmlns:p14="http://schemas.microsoft.com/office/powerpoint/2010/main" xmlns="" val="1250395099"/>
       </p:ext>
     </p:extLst>
   </p:cSld>
@@ -2271,7 +2413,7 @@
             <a:fld id="{8FCE8BCB-785D-411B-A74C-42F0947B65C9}" type="datetimeFigureOut">
               <a:rPr lang="en-US" smtClean="0"/>
               <a:pPr/>
-              <a:t>3/17/12</a:t>
+              <a:t>3/18/2012</a:t>
             </a:fld>
             <a:endParaRPr lang="en-US"/>
           </a:p>
@@ -2314,7 +2456,7 @@
             <a:fld id="{B399811B-96E0-4CFB-A18D-5C08E7CDD9A9}" type="slidenum">
               <a:rPr lang="en-US" smtClean="0"/>
               <a:pPr/>
-              <a:t>‹#›</a:t>
+              <a:t>‹Nº›</a:t>
             </a:fld>
             <a:endParaRPr lang="en-US"/>
           </a:p>
@@ -2323,7 +2465,7 @@
     </p:spTree>
     <p:extLst>
       <p:ext uri="{BB962C8B-B14F-4D97-AF65-F5344CB8AC3E}">
-        <p14:creationId xmlns:p14="http://schemas.microsoft.com/office/powerpoint/2010/main" val="3178426934"/>
+        <p14:creationId xmlns:p14="http://schemas.microsoft.com/office/powerpoint/2010/main" xmlns="" val="3178426934"/>
       </p:ext>
     </p:extLst>
   </p:cSld>
@@ -2453,7 +2595,7 @@
             <a:fld id="{8FCE8BCB-785D-411B-A74C-42F0947B65C9}" type="datetimeFigureOut">
               <a:rPr lang="en-US" smtClean="0"/>
               <a:pPr/>
-              <a:t>3/17/12</a:t>
+              <a:t>3/18/2012</a:t>
             </a:fld>
             <a:endParaRPr lang="en-US"/>
           </a:p>
@@ -2496,7 +2638,7 @@
             <a:fld id="{B399811B-96E0-4CFB-A18D-5C08E7CDD9A9}" type="slidenum">
               <a:rPr lang="en-US" smtClean="0"/>
               <a:pPr/>
-              <a:t>‹#›</a:t>
+              <a:t>‹Nº›</a:t>
             </a:fld>
             <a:endParaRPr lang="en-US"/>
           </a:p>
@@ -2505,7 +2647,7 @@
     </p:spTree>
     <p:extLst>
       <p:ext uri="{BB962C8B-B14F-4D97-AF65-F5344CB8AC3E}">
-        <p14:creationId xmlns:p14="http://schemas.microsoft.com/office/powerpoint/2010/main" val="17816594"/>
+        <p14:creationId xmlns:p14="http://schemas.microsoft.com/office/powerpoint/2010/main" xmlns="" val="17816594"/>
       </p:ext>
     </p:extLst>
   </p:cSld>
@@ -2625,7 +2767,7 @@
             <a:fld id="{8FCE8BCB-785D-411B-A74C-42F0947B65C9}" type="datetimeFigureOut">
               <a:rPr lang="en-US" smtClean="0"/>
               <a:pPr/>
-              <a:t>3/17/12</a:t>
+              <a:t>3/18/2012</a:t>
             </a:fld>
             <a:endParaRPr lang="en-US"/>
           </a:p>
@@ -2668,7 +2810,7 @@
             <a:fld id="{B399811B-96E0-4CFB-A18D-5C08E7CDD9A9}" type="slidenum">
               <a:rPr lang="en-US" smtClean="0"/>
               <a:pPr/>
-              <a:t>‹#›</a:t>
+              <a:t>‹Nº›</a:t>
             </a:fld>
             <a:endParaRPr lang="en-US"/>
           </a:p>
@@ -2677,7 +2819,7 @@
     </p:spTree>
     <p:extLst>
       <p:ext uri="{BB962C8B-B14F-4D97-AF65-F5344CB8AC3E}">
-        <p14:creationId xmlns:p14="http://schemas.microsoft.com/office/powerpoint/2010/main" val="2742419763"/>
+        <p14:creationId xmlns:p14="http://schemas.microsoft.com/office/powerpoint/2010/main" xmlns="" val="2742419763"/>
       </p:ext>
     </p:extLst>
   </p:cSld>
@@ -2873,7 +3015,7 @@
             <a:fld id="{8FCE8BCB-785D-411B-A74C-42F0947B65C9}" type="datetimeFigureOut">
               <a:rPr lang="en-US" smtClean="0"/>
               <a:pPr/>
-              <a:t>3/17/12</a:t>
+              <a:t>3/18/2012</a:t>
             </a:fld>
             <a:endParaRPr lang="en-US"/>
           </a:p>
@@ -2916,7 +3058,7 @@
             <a:fld id="{B399811B-96E0-4CFB-A18D-5C08E7CDD9A9}" type="slidenum">
               <a:rPr lang="en-US" smtClean="0"/>
               <a:pPr/>
-              <a:t>‹#›</a:t>
+              <a:t>‹Nº›</a:t>
             </a:fld>
             <a:endParaRPr lang="en-US"/>
           </a:p>
@@ -2925,7 +3067,7 @@
     </p:spTree>
     <p:extLst>
       <p:ext uri="{BB962C8B-B14F-4D97-AF65-F5344CB8AC3E}">
-        <p14:creationId xmlns:p14="http://schemas.microsoft.com/office/powerpoint/2010/main" val="2525513986"/>
+        <p14:creationId xmlns:p14="http://schemas.microsoft.com/office/powerpoint/2010/main" xmlns="" val="2525513986"/>
       </p:ext>
     </p:extLst>
   </p:cSld>
@@ -3163,7 +3305,7 @@
             <a:fld id="{8FCE8BCB-785D-411B-A74C-42F0947B65C9}" type="datetimeFigureOut">
               <a:rPr lang="en-US" smtClean="0"/>
               <a:pPr/>
-              <a:t>3/17/12</a:t>
+              <a:t>3/18/2012</a:t>
             </a:fld>
             <a:endParaRPr lang="en-US"/>
           </a:p>
@@ -3206,7 +3348,7 @@
             <a:fld id="{B399811B-96E0-4CFB-A18D-5C08E7CDD9A9}" type="slidenum">
               <a:rPr lang="en-US" smtClean="0"/>
               <a:pPr/>
-              <a:t>‹#›</a:t>
+              <a:t>‹Nº›</a:t>
             </a:fld>
             <a:endParaRPr lang="en-US"/>
           </a:p>
@@ -3215,7 +3357,7 @@
     </p:spTree>
     <p:extLst>
       <p:ext uri="{BB962C8B-B14F-4D97-AF65-F5344CB8AC3E}">
-        <p14:creationId xmlns:p14="http://schemas.microsoft.com/office/powerpoint/2010/main" val="2700884553"/>
+        <p14:creationId xmlns:p14="http://schemas.microsoft.com/office/powerpoint/2010/main" xmlns="" val="2700884553"/>
       </p:ext>
     </p:extLst>
   </p:cSld>
@@ -3587,7 +3729,7 @@
             <a:fld id="{8FCE8BCB-785D-411B-A74C-42F0947B65C9}" type="datetimeFigureOut">
               <a:rPr lang="en-US" smtClean="0"/>
               <a:pPr/>
-              <a:t>3/17/12</a:t>
+              <a:t>3/18/2012</a:t>
             </a:fld>
             <a:endParaRPr lang="en-US"/>
           </a:p>
@@ -3630,7 +3772,7 @@
             <a:fld id="{B399811B-96E0-4CFB-A18D-5C08E7CDD9A9}" type="slidenum">
               <a:rPr lang="en-US" smtClean="0"/>
               <a:pPr/>
-              <a:t>‹#›</a:t>
+              <a:t>‹Nº›</a:t>
             </a:fld>
             <a:endParaRPr lang="en-US"/>
           </a:p>
@@ -3639,7 +3781,7 @@
     </p:spTree>
     <p:extLst>
       <p:ext uri="{BB962C8B-B14F-4D97-AF65-F5344CB8AC3E}">
-        <p14:creationId xmlns:p14="http://schemas.microsoft.com/office/powerpoint/2010/main" val="2345642216"/>
+        <p14:creationId xmlns:p14="http://schemas.microsoft.com/office/powerpoint/2010/main" xmlns="" val="2345642216"/>
       </p:ext>
     </p:extLst>
   </p:cSld>
@@ -3707,7 +3849,7 @@
             <a:fld id="{8FCE8BCB-785D-411B-A74C-42F0947B65C9}" type="datetimeFigureOut">
               <a:rPr lang="en-US" smtClean="0"/>
               <a:pPr/>
-              <a:t>3/17/12</a:t>
+              <a:t>3/18/2012</a:t>
             </a:fld>
             <a:endParaRPr lang="en-US"/>
           </a:p>
@@ -3750,7 +3892,7 @@
             <a:fld id="{B399811B-96E0-4CFB-A18D-5C08E7CDD9A9}" type="slidenum">
               <a:rPr lang="en-US" smtClean="0"/>
               <a:pPr/>
-              <a:t>‹#›</a:t>
+              <a:t>‹Nº›</a:t>
             </a:fld>
             <a:endParaRPr lang="en-US"/>
           </a:p>
@@ -3759,7 +3901,7 @@
     </p:spTree>
     <p:extLst>
       <p:ext uri="{BB962C8B-B14F-4D97-AF65-F5344CB8AC3E}">
-        <p14:creationId xmlns:p14="http://schemas.microsoft.com/office/powerpoint/2010/main" val="1447817125"/>
+        <p14:creationId xmlns:p14="http://schemas.microsoft.com/office/powerpoint/2010/main" xmlns="" val="1447817125"/>
       </p:ext>
     </p:extLst>
   </p:cSld>
@@ -3804,7 +3946,7 @@
             <a:fld id="{8FCE8BCB-785D-411B-A74C-42F0947B65C9}" type="datetimeFigureOut">
               <a:rPr lang="en-US" smtClean="0"/>
               <a:pPr/>
-              <a:t>3/17/12</a:t>
+              <a:t>3/18/2012</a:t>
             </a:fld>
             <a:endParaRPr lang="en-US"/>
           </a:p>
@@ -3847,7 +3989,7 @@
             <a:fld id="{B399811B-96E0-4CFB-A18D-5C08E7CDD9A9}" type="slidenum">
               <a:rPr lang="en-US" smtClean="0"/>
               <a:pPr/>
-              <a:t>‹#›</a:t>
+              <a:t>‹Nº›</a:t>
             </a:fld>
             <a:endParaRPr lang="en-US"/>
           </a:p>
@@ -3856,7 +3998,7 @@
     </p:spTree>
     <p:extLst>
       <p:ext uri="{BB962C8B-B14F-4D97-AF65-F5344CB8AC3E}">
-        <p14:creationId xmlns:p14="http://schemas.microsoft.com/office/powerpoint/2010/main" val="1222013955"/>
+        <p14:creationId xmlns:p14="http://schemas.microsoft.com/office/powerpoint/2010/main" xmlns="" val="1222013955"/>
       </p:ext>
     </p:extLst>
   </p:cSld>
@@ -4083,7 +4225,7 @@
             <a:fld id="{8FCE8BCB-785D-411B-A74C-42F0947B65C9}" type="datetimeFigureOut">
               <a:rPr lang="en-US" smtClean="0"/>
               <a:pPr/>
-              <a:t>3/17/12</a:t>
+              <a:t>3/18/2012</a:t>
             </a:fld>
             <a:endParaRPr lang="en-US"/>
           </a:p>
@@ -4126,7 +4268,7 @@
             <a:fld id="{B399811B-96E0-4CFB-A18D-5C08E7CDD9A9}" type="slidenum">
               <a:rPr lang="en-US" smtClean="0"/>
               <a:pPr/>
-              <a:t>‹#›</a:t>
+              <a:t>‹Nº›</a:t>
             </a:fld>
             <a:endParaRPr lang="en-US"/>
           </a:p>
@@ -4135,7 +4277,7 @@
     </p:spTree>
     <p:extLst>
       <p:ext uri="{BB962C8B-B14F-4D97-AF65-F5344CB8AC3E}">
-        <p14:creationId xmlns:p14="http://schemas.microsoft.com/office/powerpoint/2010/main" val="2212676689"/>
+        <p14:creationId xmlns:p14="http://schemas.microsoft.com/office/powerpoint/2010/main" xmlns="" val="2212676689"/>
       </p:ext>
     </p:extLst>
   </p:cSld>
@@ -4338,7 +4480,7 @@
             <a:fld id="{8FCE8BCB-785D-411B-A74C-42F0947B65C9}" type="datetimeFigureOut">
               <a:rPr lang="en-US" smtClean="0"/>
               <a:pPr/>
-              <a:t>3/17/12</a:t>
+              <a:t>3/18/2012</a:t>
             </a:fld>
             <a:endParaRPr lang="en-US"/>
           </a:p>
@@ -4381,7 +4523,7 @@
             <a:fld id="{B399811B-96E0-4CFB-A18D-5C08E7CDD9A9}" type="slidenum">
               <a:rPr lang="en-US" smtClean="0"/>
               <a:pPr/>
-              <a:t>‹#›</a:t>
+              <a:t>‹Nº›</a:t>
             </a:fld>
             <a:endParaRPr lang="en-US"/>
           </a:p>
@@ -4390,7 +4532,7 @@
     </p:spTree>
     <p:extLst>
       <p:ext uri="{BB962C8B-B14F-4D97-AF65-F5344CB8AC3E}">
-        <p14:creationId xmlns:p14="http://schemas.microsoft.com/office/powerpoint/2010/main" val="4062114231"/>
+        <p14:creationId xmlns:p14="http://schemas.microsoft.com/office/powerpoint/2010/main" xmlns="" val="4062114231"/>
       </p:ext>
     </p:extLst>
   </p:cSld>
@@ -4553,7 +4695,7 @@
             <a:fld id="{8FCE8BCB-785D-411B-A74C-42F0947B65C9}" type="datetimeFigureOut">
               <a:rPr lang="en-US" smtClean="0"/>
               <a:pPr/>
-              <a:t>3/17/12</a:t>
+              <a:t>3/18/2012</a:t>
             </a:fld>
             <a:endParaRPr lang="en-US"/>
           </a:p>
@@ -4632,7 +4774,7 @@
             <a:fld id="{B399811B-96E0-4CFB-A18D-5C08E7CDD9A9}" type="slidenum">
               <a:rPr lang="en-US" smtClean="0"/>
               <a:pPr/>
-              <a:t>‹#›</a:t>
+              <a:t>‹Nº›</a:t>
             </a:fld>
             <a:endParaRPr lang="en-US"/>
           </a:p>
@@ -4641,7 +4783,7 @@
     </p:spTree>
     <p:extLst>
       <p:ext uri="{BB962C8B-B14F-4D97-AF65-F5344CB8AC3E}">
-        <p14:creationId xmlns:p14="http://schemas.microsoft.com/office/powerpoint/2010/main" val="2290327233"/>
+        <p14:creationId xmlns:p14="http://schemas.microsoft.com/office/powerpoint/2010/main" xmlns="" val="2290327233"/>
       </p:ext>
     </p:extLst>
   </p:cSld>
@@ -5140,7 +5282,7 @@
     </p:spTree>
     <p:extLst>
       <p:ext uri="{BB962C8B-B14F-4D97-AF65-F5344CB8AC3E}">
-        <p14:creationId xmlns:p14="http://schemas.microsoft.com/office/powerpoint/2010/main" val="850291249"/>
+        <p14:creationId xmlns:p14="http://schemas.microsoft.com/office/powerpoint/2010/main" xmlns="" val="850291249"/>
       </p:ext>
     </p:extLst>
   </p:cSld>
@@ -5150,7 +5292,7 @@
   <p:timing>
     <p:tnLst>
       <p:par>
-        <p:cTn xmlns:p14="http://schemas.microsoft.com/office/powerpoint/2010/main" id="1" dur="indefinite" restart="never" nodeType="tmRoot"/>
+        <p:cTn id="1" dur="indefinite" restart="never" nodeType="tmRoot"/>
       </p:par>
     </p:tnLst>
   </p:timing>
@@ -5291,7 +5433,7 @@
           <a:blip r:embed="rId2" cstate="print">
             <a:extLst>
               <a:ext uri="{28A0092B-C50C-407E-A947-70E740481C1C}">
-                <a14:useLocalDpi xmlns:a14="http://schemas.microsoft.com/office/drawing/2010/main" val="0"/>
+                <a14:useLocalDpi xmlns:a14="http://schemas.microsoft.com/office/drawing/2010/main" xmlns="" val="0"/>
               </a:ext>
             </a:extLst>
           </a:blip>
@@ -5311,7 +5453,7 @@
           <a:noFill/>
           <a:extLst>
             <a:ext uri="{909E8E84-426E-40dd-AFC4-6F175D3DCCD1}">
-              <a14:hiddenFill xmlns:a14="http://schemas.microsoft.com/office/drawing/2010/main">
+              <a14:hiddenFill xmlns:a14="http://schemas.microsoft.com/office/drawing/2010/main" xmlns="">
                 <a:solidFill>
                   <a:srgbClr val="FFFFFF"/>
                 </a:solidFill>
@@ -5384,7 +5526,7 @@
     </p:spTree>
     <p:extLst>
       <p:ext uri="{BB962C8B-B14F-4D97-AF65-F5344CB8AC3E}">
-        <p14:creationId xmlns:p14="http://schemas.microsoft.com/office/powerpoint/2010/main" val="2751761894"/>
+        <p14:creationId xmlns:p14="http://schemas.microsoft.com/office/powerpoint/2010/main" xmlns="" val="2751761894"/>
       </p:ext>
     </p:extLst>
   </p:cSld>
@@ -5394,7 +5536,7 @@
   <p:timing>
     <p:tnLst>
       <p:par>
-        <p:cTn xmlns:p14="http://schemas.microsoft.com/office/powerpoint/2010/main" id="1" dur="indefinite" restart="never" nodeType="tmRoot"/>
+        <p:cTn id="1" dur="indefinite" restart="never" nodeType="tmRoot"/>
       </p:par>
     </p:tnLst>
   </p:timing>
@@ -6490,7 +6632,7 @@
     </p:spTree>
     <p:extLst>
       <p:ext uri="{BB962C8B-B14F-4D97-AF65-F5344CB8AC3E}">
-        <p14:creationId xmlns:p14="http://schemas.microsoft.com/office/powerpoint/2010/main" val="1624131093"/>
+        <p14:creationId xmlns:p14="http://schemas.microsoft.com/office/powerpoint/2010/main" xmlns="" val="1624131093"/>
       </p:ext>
     </p:extLst>
   </p:cSld>
@@ -6500,7 +6642,7 @@
   <p:timing>
     <p:tnLst>
       <p:par>
-        <p:cTn xmlns:p14="http://schemas.microsoft.com/office/powerpoint/2010/main" id="1" dur="indefinite" restart="never" nodeType="tmRoot"/>
+        <p:cTn id="1" dur="indefinite" restart="never" nodeType="tmRoot"/>
       </p:par>
     </p:tnLst>
   </p:timing>
@@ -7762,7 +7904,7 @@
     </p:spTree>
     <p:extLst>
       <p:ext uri="{BB962C8B-B14F-4D97-AF65-F5344CB8AC3E}">
-        <p14:creationId xmlns:p14="http://schemas.microsoft.com/office/powerpoint/2010/main" val="4010505269"/>
+        <p14:creationId xmlns:p14="http://schemas.microsoft.com/office/powerpoint/2010/main" xmlns="" val="4010505269"/>
       </p:ext>
     </p:extLst>
   </p:cSld>
@@ -7772,7 +7914,7 @@
   <p:timing>
     <p:tnLst>
       <p:par>
-        <p:cTn xmlns:p14="http://schemas.microsoft.com/office/powerpoint/2010/main" id="1" dur="indefinite" restart="never" nodeType="tmRoot"/>
+        <p:cTn id="1" dur="indefinite" restart="never" nodeType="tmRoot"/>
       </p:par>
     </p:tnLst>
   </p:timing>
@@ -7883,7 +8025,7 @@
           <a:blip r:embed="rId2" cstate="print">
             <a:extLst>
               <a:ext uri="{28A0092B-C50C-407E-A947-70E740481C1C}">
-                <a14:useLocalDpi xmlns:a14="http://schemas.microsoft.com/office/drawing/2010/main" val="0"/>
+                <a14:useLocalDpi xmlns:a14="http://schemas.microsoft.com/office/drawing/2010/main" xmlns="" val="0"/>
               </a:ext>
             </a:extLst>
           </a:blip>
@@ -7903,7 +8045,7 @@
           <a:noFill/>
           <a:extLst>
             <a:ext uri="{909E8E84-426E-40dd-AFC4-6F175D3DCCD1}">
-              <a14:hiddenFill xmlns:a14="http://schemas.microsoft.com/office/drawing/2010/main">
+              <a14:hiddenFill xmlns:a14="http://schemas.microsoft.com/office/drawing/2010/main" xmlns="">
                 <a:solidFill>
                   <a:srgbClr val="FFFFFF"/>
                 </a:solidFill>
@@ -7976,7 +8118,7 @@
     </p:spTree>
     <p:extLst>
       <p:ext uri="{BB962C8B-B14F-4D97-AF65-F5344CB8AC3E}">
-        <p14:creationId xmlns:p14="http://schemas.microsoft.com/office/powerpoint/2010/main" val="1756666574"/>
+        <p14:creationId xmlns:p14="http://schemas.microsoft.com/office/powerpoint/2010/main" xmlns="" val="1756666574"/>
       </p:ext>
     </p:extLst>
   </p:cSld>
@@ -7986,7 +8128,7 @@
   <p:timing>
     <p:tnLst>
       <p:par>
-        <p:cTn xmlns:p14="http://schemas.microsoft.com/office/powerpoint/2010/main" id="1" dur="indefinite" restart="never" nodeType="tmRoot"/>
+        <p:cTn id="1" dur="indefinite" restart="never" nodeType="tmRoot"/>
       </p:par>
     </p:tnLst>
   </p:timing>
@@ -9192,7 +9334,7 @@
     </p:spTree>
     <p:extLst>
       <p:ext uri="{BB962C8B-B14F-4D97-AF65-F5344CB8AC3E}">
-        <p14:creationId xmlns:p14="http://schemas.microsoft.com/office/powerpoint/2010/main" val="1714157389"/>
+        <p14:creationId xmlns:p14="http://schemas.microsoft.com/office/powerpoint/2010/main" xmlns="" val="1714157389"/>
       </p:ext>
     </p:extLst>
   </p:cSld>
@@ -9202,7 +9344,7 @@
   <p:timing>
     <p:tnLst>
       <p:par>
-        <p:cTn xmlns:p14="http://schemas.microsoft.com/office/powerpoint/2010/main" id="1" dur="indefinite" restart="never" nodeType="tmRoot"/>
+        <p:cTn id="1" dur="indefinite" restart="never" nodeType="tmRoot"/>
       </p:par>
     </p:tnLst>
   </p:timing>
@@ -10335,7 +10477,7 @@
     </p:spTree>
     <p:extLst>
       <p:ext uri="{BB962C8B-B14F-4D97-AF65-F5344CB8AC3E}">
-        <p14:creationId xmlns:p14="http://schemas.microsoft.com/office/powerpoint/2010/main" val="2878125564"/>
+        <p14:creationId xmlns:p14="http://schemas.microsoft.com/office/powerpoint/2010/main" xmlns="" val="2878125564"/>
       </p:ext>
     </p:extLst>
   </p:cSld>
@@ -10345,7 +10487,7 @@
   <p:timing>
     <p:tnLst>
       <p:par>
-        <p:cTn xmlns:p14="http://schemas.microsoft.com/office/powerpoint/2010/main" id="1" dur="indefinite" restart="never" nodeType="tmRoot"/>
+        <p:cTn id="1" dur="indefinite" restart="never" nodeType="tmRoot"/>
       </p:par>
     </p:tnLst>
   </p:timing>
@@ -11603,7 +11745,7 @@
     </p:spTree>
     <p:extLst>
       <p:ext uri="{BB962C8B-B14F-4D97-AF65-F5344CB8AC3E}">
-        <p14:creationId xmlns:p14="http://schemas.microsoft.com/office/powerpoint/2010/main" val="799494674"/>
+        <p14:creationId xmlns:p14="http://schemas.microsoft.com/office/powerpoint/2010/main" xmlns="" val="799494674"/>
       </p:ext>
     </p:extLst>
   </p:cSld>
@@ -11613,7 +11755,7 @@
   <p:timing>
     <p:tnLst>
       <p:par>
-        <p:cTn xmlns:p14="http://schemas.microsoft.com/office/powerpoint/2010/main" id="1" dur="indefinite" restart="never" nodeType="tmRoot"/>
+        <p:cTn id="1" dur="indefinite" restart="never" nodeType="tmRoot"/>
       </p:par>
     </p:tnLst>
   </p:timing>
@@ -12871,7 +13013,7 @@
     </p:spTree>
     <p:extLst>
       <p:ext uri="{BB962C8B-B14F-4D97-AF65-F5344CB8AC3E}">
-        <p14:creationId xmlns:p14="http://schemas.microsoft.com/office/powerpoint/2010/main" val="3612248193"/>
+        <p14:creationId xmlns:p14="http://schemas.microsoft.com/office/powerpoint/2010/main" xmlns="" val="3612248193"/>
       </p:ext>
     </p:extLst>
   </p:cSld>
@@ -12881,7 +13023,7 @@
   <p:timing>
     <p:tnLst>
       <p:par>
-        <p:cTn xmlns:p14="http://schemas.microsoft.com/office/powerpoint/2010/main" id="1" dur="indefinite" restart="never" nodeType="tmRoot"/>
+        <p:cTn id="1" dur="indefinite" restart="never" nodeType="tmRoot"/>
       </p:par>
     </p:tnLst>
   </p:timing>
@@ -14439,7 +14581,7 @@
     </p:spTree>
     <p:extLst>
       <p:ext uri="{BB962C8B-B14F-4D97-AF65-F5344CB8AC3E}">
-        <p14:creationId xmlns:p14="http://schemas.microsoft.com/office/powerpoint/2010/main" val="464508250"/>
+        <p14:creationId xmlns:p14="http://schemas.microsoft.com/office/powerpoint/2010/main" xmlns="" val="464508250"/>
       </p:ext>
     </p:extLst>
   </p:cSld>
@@ -14449,7 +14591,7 @@
   <p:timing>
     <p:tnLst>
       <p:par>
-        <p:cTn xmlns:p14="http://schemas.microsoft.com/office/powerpoint/2010/main" id="1" dur="indefinite" restart="never" nodeType="tmRoot"/>
+        <p:cTn id="1" dur="indefinite" restart="never" nodeType="tmRoot"/>
       </p:par>
     </p:tnLst>
   </p:timing>
@@ -14515,7 +14657,7 @@
           <a:blip r:embed="rId2" cstate="print">
             <a:extLst>
               <a:ext uri="{28A0092B-C50C-407E-A947-70E740481C1C}">
-                <a14:useLocalDpi xmlns:a14="http://schemas.microsoft.com/office/drawing/2010/main" val="0"/>
+                <a14:useLocalDpi xmlns:a14="http://schemas.microsoft.com/office/drawing/2010/main" xmlns="" val="0"/>
               </a:ext>
             </a:extLst>
           </a:blip>
@@ -14535,7 +14677,7 @@
           <a:noFill/>
           <a:extLst>
             <a:ext uri="{909E8E84-426E-40dd-AFC4-6F175D3DCCD1}">
-              <a14:hiddenFill xmlns:a14="http://schemas.microsoft.com/office/drawing/2010/main">
+              <a14:hiddenFill xmlns:a14="http://schemas.microsoft.com/office/drawing/2010/main" xmlns="">
                 <a:solidFill>
                   <a:srgbClr val="FFFFFF"/>
                 </a:solidFill>
@@ -14935,7 +15077,7 @@
     </p:spTree>
     <p:extLst>
       <p:ext uri="{BB962C8B-B14F-4D97-AF65-F5344CB8AC3E}">
-        <p14:creationId xmlns:p14="http://schemas.microsoft.com/office/powerpoint/2010/main" val="79323105"/>
+        <p14:creationId xmlns:p14="http://schemas.microsoft.com/office/powerpoint/2010/main" xmlns="" val="79323105"/>
       </p:ext>
     </p:extLst>
   </p:cSld>
@@ -14945,7 +15087,7 @@
   <p:timing>
     <p:tnLst>
       <p:par>
-        <p:cTn xmlns:p14="http://schemas.microsoft.com/office/powerpoint/2010/main" id="1" dur="indefinite" restart="never" nodeType="tmRoot"/>
+        <p:cTn id="1" dur="indefinite" restart="never" nodeType="tmRoot"/>
       </p:par>
     </p:tnLst>
   </p:timing>
@@ -16123,7 +16265,7 @@
     </p:spTree>
     <p:extLst>
       <p:ext uri="{BB962C8B-B14F-4D97-AF65-F5344CB8AC3E}">
-        <p14:creationId xmlns:p14="http://schemas.microsoft.com/office/powerpoint/2010/main" val="850291249"/>
+        <p14:creationId xmlns:p14="http://schemas.microsoft.com/office/powerpoint/2010/main" xmlns="" val="850291249"/>
       </p:ext>
     </p:extLst>
   </p:cSld>
@@ -16133,7 +16275,7 @@
   <p:timing>
     <p:tnLst>
       <p:par>
-        <p:cTn xmlns:p14="http://schemas.microsoft.com/office/powerpoint/2010/main" id="1" dur="indefinite" restart="never" nodeType="tmRoot"/>
+        <p:cTn id="1" dur="indefinite" restart="never" nodeType="tmRoot"/>
       </p:par>
     </p:tnLst>
   </p:timing>
@@ -17471,7 +17613,7 @@
     </p:spTree>
     <p:extLst>
       <p:ext uri="{BB962C8B-B14F-4D97-AF65-F5344CB8AC3E}">
-        <p14:creationId xmlns:p14="http://schemas.microsoft.com/office/powerpoint/2010/main" val="1962791709"/>
+        <p14:creationId xmlns:p14="http://schemas.microsoft.com/office/powerpoint/2010/main" xmlns="" val="1962791709"/>
       </p:ext>
     </p:extLst>
   </p:cSld>
@@ -17481,7 +17623,7 @@
   <p:timing>
     <p:tnLst>
       <p:par>
-        <p:cTn xmlns:p14="http://schemas.microsoft.com/office/powerpoint/2010/main" id="1" dur="indefinite" restart="never" nodeType="tmRoot"/>
+        <p:cTn id="1" dur="indefinite" restart="never" nodeType="tmRoot"/>
       </p:par>
     </p:tnLst>
   </p:timing>
@@ -17967,7 +18109,7 @@
     </p:spTree>
     <p:extLst>
       <p:ext uri="{BB962C8B-B14F-4D97-AF65-F5344CB8AC3E}">
-        <p14:creationId xmlns:p14="http://schemas.microsoft.com/office/powerpoint/2010/main" val="527884918"/>
+        <p14:creationId xmlns:p14="http://schemas.microsoft.com/office/powerpoint/2010/main" xmlns="" val="527884918"/>
       </p:ext>
     </p:extLst>
   </p:cSld>
@@ -17977,7 +18119,7 @@
   <p:timing>
     <p:tnLst>
       <p:par>
-        <p:cTn xmlns:p14="http://schemas.microsoft.com/office/powerpoint/2010/main" id="1" dur="indefinite" restart="never" nodeType="tmRoot">
+        <p:cTn id="1" dur="indefinite" restart="never" nodeType="tmRoot">
           <p:childTnLst>
             <p:seq concurrent="1" nextAc="seek">
               <p:cTn id="2" dur="indefinite" nodeType="mainSeq">
@@ -18791,7 +18933,7 @@
     </p:spTree>
     <p:extLst>
       <p:ext uri="{BB962C8B-B14F-4D97-AF65-F5344CB8AC3E}">
-        <p14:creationId xmlns:p14="http://schemas.microsoft.com/office/powerpoint/2010/main" val="527884918"/>
+        <p14:creationId xmlns:p14="http://schemas.microsoft.com/office/powerpoint/2010/main" xmlns="" val="527884918"/>
       </p:ext>
     </p:extLst>
   </p:cSld>
@@ -18801,7 +18943,7 @@
   <p:timing>
     <p:tnLst>
       <p:par>
-        <p:cTn xmlns:p14="http://schemas.microsoft.com/office/powerpoint/2010/main" id="1" dur="indefinite" restart="never" nodeType="tmRoot"/>
+        <p:cTn id="1" dur="indefinite" restart="never" nodeType="tmRoot"/>
       </p:par>
     </p:tnLst>
   </p:timing>
@@ -20341,7 +20483,7 @@
     </p:spTree>
     <p:extLst>
       <p:ext uri="{BB962C8B-B14F-4D97-AF65-F5344CB8AC3E}">
-        <p14:creationId xmlns:p14="http://schemas.microsoft.com/office/powerpoint/2010/main" val="527884918"/>
+        <p14:creationId xmlns:p14="http://schemas.microsoft.com/office/powerpoint/2010/main" xmlns="" val="527884918"/>
       </p:ext>
     </p:extLst>
   </p:cSld>
@@ -20351,7 +20493,7 @@
   <p:timing>
     <p:tnLst>
       <p:par>
-        <p:cTn xmlns:p14="http://schemas.microsoft.com/office/powerpoint/2010/main" id="1" dur="indefinite" restart="never" nodeType="tmRoot">
+        <p:cTn id="1" dur="indefinite" restart="never" nodeType="tmRoot">
           <p:childTnLst>
             <p:seq concurrent="1" nextAc="seek">
               <p:cTn id="2" dur="indefinite" nodeType="mainSeq">
@@ -21028,7 +21170,7 @@
     </p:spTree>
     <p:extLst>
       <p:ext uri="{BB962C8B-B14F-4D97-AF65-F5344CB8AC3E}">
-        <p14:creationId xmlns:p14="http://schemas.microsoft.com/office/powerpoint/2010/main" val="527884918"/>
+        <p14:creationId xmlns:p14="http://schemas.microsoft.com/office/powerpoint/2010/main" xmlns="" val="527884918"/>
       </p:ext>
     </p:extLst>
   </p:cSld>
@@ -21038,7 +21180,7 @@
   <p:timing>
     <p:tnLst>
       <p:par>
-        <p:cTn xmlns:p14="http://schemas.microsoft.com/office/powerpoint/2010/main" id="1" dur="indefinite" restart="never" nodeType="tmRoot">
+        <p:cTn id="1" dur="indefinite" restart="never" nodeType="tmRoot">
           <p:childTnLst>
             <p:seq concurrent="1" nextAc="seek">
               <p:cTn id="2" dur="indefinite" nodeType="mainSeq">
@@ -21281,15 +21423,7 @@
                   <a:sysClr val="windowText" lastClr="000000"/>
                 </a:solidFill>
               </a:rPr>
-              <a:t>Implement </a:t>
-            </a:r>
-            <a:r>
-              <a:rPr lang="en-US" sz="3200" dirty="0" smtClean="0">
-                <a:solidFill>
-                  <a:sysClr val="windowText" lastClr="000000"/>
-                </a:solidFill>
-              </a:rPr>
-              <a:t>hints to next objective in </a:t>
+              <a:t>Implement hints to next objective in </a:t>
             </a:r>
             <a:r>
               <a:rPr lang="en-US" sz="3200" i="1" dirty="0" err="1" smtClean="0">
@@ -21305,29 +21439,8 @@
                   <a:sysClr val="windowText" lastClr="000000"/>
                 </a:solidFill>
               </a:rPr>
-              <a:t> </a:t>
-            </a:r>
-            <a:r>
-              <a:rPr lang="en-US" sz="3200" dirty="0" smtClean="0">
-                <a:solidFill>
-                  <a:sysClr val="windowText" lastClr="000000"/>
-                </a:solidFill>
-              </a:rPr>
-              <a:t>to prevent players getting stuck</a:t>
-            </a:r>
-            <a:r>
-              <a:rPr lang="en-US" sz="3200" dirty="0" smtClean="0">
-                <a:solidFill>
-                  <a:sysClr val="windowText" lastClr="000000"/>
-                </a:solidFill>
-              </a:rPr>
-              <a:t>.</a:t>
-            </a:r>
-            <a:endParaRPr lang="en-US" sz="3200" dirty="0" smtClean="0">
-              <a:solidFill>
-                <a:sysClr val="windowText" lastClr="000000"/>
-              </a:solidFill>
-            </a:endParaRPr>
+              <a:t> to prevent players getting stuck.</a:t>
+            </a:r>
           </a:p>
           <a:p>
             <a:endParaRPr lang="en-US" dirty="0">
@@ -21343,13 +21456,13 @@
   <p:clrMapOvr>
     <a:masterClrMapping/>
   </p:clrMapOvr>
-  <p:transition xmlns:p14="http://schemas.microsoft.com/office/powerpoint/2010/main" spd="slow">
+  <p:transition spd="slow">
     <p:cut/>
   </p:transition>
   <p:timing>
     <p:tnLst>
       <p:par>
-        <p:cTn xmlns:p14="http://schemas.microsoft.com/office/powerpoint/2010/main" id="1" dur="indefinite" restart="never" nodeType="tmRoot"/>
+        <p:cTn id="1" dur="indefinite" restart="never" nodeType="tmRoot"/>
       </p:par>
     </p:tnLst>
   </p:timing>
@@ -21536,13 +21649,13 @@
   <p:clrMapOvr>
     <a:masterClrMapping/>
   </p:clrMapOvr>
-  <p:transition xmlns:p14="http://schemas.microsoft.com/office/powerpoint/2010/main" spd="slow">
+  <p:transition spd="slow">
     <p:cut/>
   </p:transition>
   <p:timing>
     <p:tnLst>
       <p:par>
-        <p:cTn xmlns:p14="http://schemas.microsoft.com/office/powerpoint/2010/main" id="1" dur="indefinite" restart="never" nodeType="tmRoot"/>
+        <p:cTn id="1" dur="indefinite" restart="never" nodeType="tmRoot"/>
       </p:par>
     </p:tnLst>
   </p:timing>
@@ -21939,13 +22052,13 @@
   <p:clrMapOvr>
     <a:masterClrMapping/>
   </p:clrMapOvr>
-  <p:transition xmlns:p14="http://schemas.microsoft.com/office/powerpoint/2010/main" spd="slow">
+  <p:transition spd="slow">
     <p:cut/>
   </p:transition>
   <p:timing>
     <p:tnLst>
       <p:par>
-        <p:cTn xmlns:p14="http://schemas.microsoft.com/office/powerpoint/2010/main" id="1" dur="indefinite" restart="never" nodeType="tmRoot"/>
+        <p:cTn id="1" dur="indefinite" restart="never" nodeType="tmRoot"/>
       </p:par>
     </p:tnLst>
   </p:timing>
@@ -22237,13 +22350,13 @@
   <p:clrMapOvr>
     <a:masterClrMapping/>
   </p:clrMapOvr>
-  <p:transition xmlns:p14="http://schemas.microsoft.com/office/powerpoint/2010/main" spd="slow">
+  <p:transition spd="slow">
     <p:cut/>
   </p:transition>
   <p:timing>
     <p:tnLst>
       <p:par>
-        <p:cTn xmlns:p14="http://schemas.microsoft.com/office/powerpoint/2010/main" id="1" dur="indefinite" restart="never" nodeType="tmRoot"/>
+        <p:cTn id="1" dur="indefinite" restart="never" nodeType="tmRoot"/>
       </p:par>
     </p:tnLst>
   </p:timing>
@@ -22435,13 +22548,13 @@
   <p:clrMapOvr>
     <a:masterClrMapping/>
   </p:clrMapOvr>
-  <p:transition xmlns:p14="http://schemas.microsoft.com/office/powerpoint/2010/main" spd="slow">
+  <p:transition spd="slow">
     <p:cut/>
   </p:transition>
   <p:timing>
     <p:tnLst>
       <p:par>
-        <p:cTn xmlns:p14="http://schemas.microsoft.com/office/powerpoint/2010/main" id="1" dur="indefinite" restart="never" nodeType="tmRoot"/>
+        <p:cTn id="1" dur="indefinite" restart="never" nodeType="tmRoot"/>
       </p:par>
     </p:tnLst>
   </p:timing>
@@ -23617,7 +23730,7 @@
     </p:spTree>
     <p:extLst>
       <p:ext uri="{BB962C8B-B14F-4D97-AF65-F5344CB8AC3E}">
-        <p14:creationId xmlns:p14="http://schemas.microsoft.com/office/powerpoint/2010/main" val="240745927"/>
+        <p14:creationId xmlns:p14="http://schemas.microsoft.com/office/powerpoint/2010/main" xmlns="" val="240745927"/>
       </p:ext>
     </p:extLst>
   </p:cSld>
@@ -23627,7 +23740,7 @@
   <p:timing>
     <p:tnLst>
       <p:par>
-        <p:cTn xmlns:p14="http://schemas.microsoft.com/office/powerpoint/2010/main" id="1" dur="indefinite" restart="never" nodeType="tmRoot"/>
+        <p:cTn id="1" dur="indefinite" restart="never" nodeType="tmRoot"/>
       </p:par>
     </p:tnLst>
   </p:timing>
@@ -23832,13 +23945,13 @@
   <p:clrMapOvr>
     <a:masterClrMapping/>
   </p:clrMapOvr>
-  <p:transition xmlns:p14="http://schemas.microsoft.com/office/powerpoint/2010/main" spd="slow">
+  <p:transition spd="slow">
     <p:cut/>
   </p:transition>
   <p:timing>
     <p:tnLst>
       <p:par>
-        <p:cTn xmlns:p14="http://schemas.microsoft.com/office/powerpoint/2010/main" id="1" dur="indefinite" restart="never" nodeType="tmRoot"/>
+        <p:cTn id="1" dur="indefinite" restart="never" nodeType="tmRoot"/>
       </p:par>
     </p:tnLst>
   </p:timing>
@@ -24015,28 +24128,23 @@
       </p:sp>
       <p:pic>
         <p:nvPicPr>
-          <p:cNvPr id="57346" name="Picture 2"/>
+          <p:cNvPr id="1026" name="Picture 2" descr="E:\Tesis\PSMAGE\docs\PCG01.png"/>
           <p:cNvPicPr>
             <a:picLocks noChangeAspect="1" noChangeArrowheads="1"/>
           </p:cNvPicPr>
           <p:nvPr/>
         </p:nvPicPr>
         <p:blipFill>
-          <a:blip r:embed="rId4">
-            <a:extLst>
-              <a:ext uri="{28A0092B-C50C-407E-A947-70E740481C1C}">
-                <a14:useLocalDpi xmlns:a14="http://schemas.microsoft.com/office/drawing/2010/main" val="0"/>
-              </a:ext>
-            </a:extLst>
-          </a:blip>
+          <a:blip r:embed="rId4" cstate="print"/>
+          <a:srcRect/>
           <a:stretch>
             <a:fillRect/>
           </a:stretch>
         </p:blipFill>
         <p:spPr bwMode="auto">
           <a:xfrm>
-            <a:off x="2209800" y="2219317"/>
-            <a:ext cx="4936430" cy="4324365"/>
+            <a:off x="2209800" y="2209799"/>
+            <a:ext cx="4953000" cy="4344737"/>
           </a:xfrm>
           <a:prstGeom prst="rect">
             <a:avLst/>
@@ -24049,13 +24157,13 @@
   <p:clrMapOvr>
     <a:masterClrMapping/>
   </p:clrMapOvr>
-  <p:transition xmlns:p14="http://schemas.microsoft.com/office/powerpoint/2010/main" spd="slow">
+  <p:transition spd="slow">
     <p:cut/>
   </p:transition>
   <p:timing>
     <p:tnLst>
       <p:par>
-        <p:cTn xmlns:p14="http://schemas.microsoft.com/office/powerpoint/2010/main" id="1" dur="indefinite" restart="never" nodeType="tmRoot"/>
+        <p:cTn id="1" dur="indefinite" restart="never" nodeType="tmRoot"/>
       </p:par>
     </p:tnLst>
   </p:timing>
@@ -24266,28 +24374,23 @@
       </p:pic>
       <p:pic>
         <p:nvPicPr>
-          <p:cNvPr id="58370" name="Picture 2"/>
+          <p:cNvPr id="2050" name="Picture 2" descr="E:\Tesis\PSMAGE\docs\PCG02.png"/>
           <p:cNvPicPr>
             <a:picLocks noChangeAspect="1" noChangeArrowheads="1"/>
           </p:cNvPicPr>
           <p:nvPr/>
         </p:nvPicPr>
         <p:blipFill>
-          <a:blip r:embed="rId5">
-            <a:extLst>
-              <a:ext uri="{28A0092B-C50C-407E-A947-70E740481C1C}">
-                <a14:useLocalDpi xmlns:a14="http://schemas.microsoft.com/office/drawing/2010/main" val="0"/>
-              </a:ext>
-            </a:extLst>
-          </a:blip>
+          <a:blip r:embed="rId5" cstate="print"/>
+          <a:srcRect/>
           <a:stretch>
             <a:fillRect/>
           </a:stretch>
         </p:blipFill>
         <p:spPr bwMode="auto">
           <a:xfrm>
-            <a:off x="3124200" y="2219642"/>
-            <a:ext cx="5105400" cy="4472385"/>
+            <a:off x="3104387" y="2209800"/>
+            <a:ext cx="5125213" cy="4495800"/>
           </a:xfrm>
           <a:prstGeom prst="rect">
             <a:avLst/>
@@ -24300,13 +24403,13 @@
   <p:clrMapOvr>
     <a:masterClrMapping/>
   </p:clrMapOvr>
-  <p:transition xmlns:p14="http://schemas.microsoft.com/office/powerpoint/2010/main" spd="slow">
+  <p:transition spd="slow">
     <p:cut/>
   </p:transition>
   <p:timing>
     <p:tnLst>
       <p:par>
-        <p:cTn xmlns:p14="http://schemas.microsoft.com/office/powerpoint/2010/main" id="1" dur="indefinite" restart="never" nodeType="tmRoot"/>
+        <p:cTn id="1" dur="indefinite" restart="never" nodeType="tmRoot"/>
       </p:par>
     </p:tnLst>
   </p:timing>
@@ -24483,28 +24586,23 @@
       </p:sp>
       <p:pic>
         <p:nvPicPr>
-          <p:cNvPr id="59394" name="Picture 2"/>
+          <p:cNvPr id="3074" name="Picture 2" descr="E:\Tesis\PSMAGE\docs\PCG03.png"/>
           <p:cNvPicPr>
             <a:picLocks noChangeAspect="1" noChangeArrowheads="1"/>
           </p:cNvPicPr>
           <p:nvPr/>
         </p:nvPicPr>
         <p:blipFill>
-          <a:blip r:embed="rId4">
-            <a:extLst>
-              <a:ext uri="{28A0092B-C50C-407E-A947-70E740481C1C}">
-                <a14:useLocalDpi xmlns:a14="http://schemas.microsoft.com/office/drawing/2010/main" val="0"/>
-              </a:ext>
-            </a:extLst>
-          </a:blip>
+          <a:blip r:embed="rId4" cstate="print"/>
+          <a:srcRect/>
           <a:stretch>
             <a:fillRect/>
           </a:stretch>
         </p:blipFill>
         <p:spPr bwMode="auto">
           <a:xfrm>
-            <a:off x="2133600" y="2374924"/>
-            <a:ext cx="4757738" cy="4167829"/>
+            <a:off x="2133600" y="2362200"/>
+            <a:ext cx="4819326" cy="4191000"/>
           </a:xfrm>
           <a:prstGeom prst="rect">
             <a:avLst/>
@@ -24517,13 +24615,13 @@
   <p:clrMapOvr>
     <a:masterClrMapping/>
   </p:clrMapOvr>
-  <p:transition xmlns:p14="http://schemas.microsoft.com/office/powerpoint/2010/main" spd="slow">
+  <p:transition spd="slow">
     <p:cut/>
   </p:transition>
   <p:timing>
     <p:tnLst>
       <p:par>
-        <p:cTn xmlns:p14="http://schemas.microsoft.com/office/powerpoint/2010/main" id="1" dur="indefinite" restart="never" nodeType="tmRoot"/>
+        <p:cTn id="1" dur="indefinite" restart="never" nodeType="tmRoot"/>
       </p:par>
     </p:tnLst>
   </p:timing>
@@ -24700,28 +24798,23 @@
       </p:sp>
       <p:pic>
         <p:nvPicPr>
-          <p:cNvPr id="60418" name="Picture 2"/>
+          <p:cNvPr id="4098" name="Picture 2" descr="E:\Tesis\PSMAGE\docs\PCG04.png"/>
           <p:cNvPicPr>
             <a:picLocks noChangeAspect="1" noChangeArrowheads="1"/>
           </p:cNvPicPr>
           <p:nvPr/>
         </p:nvPicPr>
         <p:blipFill>
-          <a:blip r:embed="rId4">
-            <a:extLst>
-              <a:ext uri="{28A0092B-C50C-407E-A947-70E740481C1C}">
-                <a14:useLocalDpi xmlns:a14="http://schemas.microsoft.com/office/drawing/2010/main" val="0"/>
-              </a:ext>
-            </a:extLst>
-          </a:blip>
+          <a:blip r:embed="rId4" cstate="print"/>
+          <a:srcRect/>
           <a:stretch>
             <a:fillRect/>
           </a:stretch>
         </p:blipFill>
         <p:spPr bwMode="auto">
           <a:xfrm>
-            <a:off x="2108341" y="2377324"/>
-            <a:ext cx="4749659" cy="4160752"/>
+            <a:off x="2133600" y="2362200"/>
+            <a:ext cx="4798017" cy="4191000"/>
           </a:xfrm>
           <a:prstGeom prst="rect">
             <a:avLst/>
@@ -24734,13 +24827,13 @@
   <p:clrMapOvr>
     <a:masterClrMapping/>
   </p:clrMapOvr>
-  <p:transition xmlns:p14="http://schemas.microsoft.com/office/powerpoint/2010/main" spd="slow">
+  <p:transition spd="slow">
     <p:cut/>
   </p:transition>
   <p:timing>
     <p:tnLst>
       <p:par>
-        <p:cTn xmlns:p14="http://schemas.microsoft.com/office/powerpoint/2010/main" id="1" dur="indefinite" restart="never" nodeType="tmRoot"/>
+        <p:cTn id="1" dur="indefinite" restart="never" nodeType="tmRoot"/>
       </p:par>
     </p:tnLst>
   </p:timing>
@@ -24909,15 +25002,7 @@
           <a:p>
             <a:r>
               <a:rPr lang="en-US" dirty="0" smtClean="0"/>
-              <a:t>5 </a:t>
-            </a:r>
-            <a:r>
-              <a:rPr lang="en-US" dirty="0" smtClean="0"/>
-              <a:t>– </a:t>
-            </a:r>
-            <a:r>
-              <a:rPr lang="en-US" dirty="0" smtClean="0"/>
-              <a:t>Convert our abstract map into </a:t>
+              <a:t>5 – Convert our abstract map into </a:t>
             </a:r>
             <a:r>
               <a:rPr lang="en-US" dirty="0" err="1" smtClean="0"/>
@@ -24932,28 +25017,49 @@
       </p:sp>
       <p:pic>
         <p:nvPicPr>
-          <p:cNvPr id="60418" name="Picture 2"/>
+          <p:cNvPr id="5122" name="Picture 2" descr="E:\Tesis\PSMAGE\docs\desertworld.png"/>
           <p:cNvPicPr>
             <a:picLocks noChangeAspect="1" noChangeArrowheads="1"/>
           </p:cNvPicPr>
           <p:nvPr/>
         </p:nvPicPr>
         <p:blipFill>
-          <a:blip r:embed="rId4">
-            <a:extLst>
-              <a:ext uri="{28A0092B-C50C-407E-A947-70E740481C1C}">
-                <a14:useLocalDpi xmlns:a14="http://schemas.microsoft.com/office/drawing/2010/main" val="0"/>
-              </a:ext>
-            </a:extLst>
-          </a:blip>
+          <a:blip r:embed="rId4" cstate="print"/>
+          <a:srcRect/>
           <a:stretch>
             <a:fillRect/>
           </a:stretch>
         </p:blipFill>
         <p:spPr bwMode="auto">
           <a:xfrm>
-            <a:off x="990600" y="1905000"/>
-            <a:ext cx="7010400" cy="4760505"/>
+            <a:off x="457200" y="2209800"/>
+            <a:ext cx="3905250" cy="3905250"/>
+          </a:xfrm>
+          <a:prstGeom prst="rect">
+            <a:avLst/>
+          </a:prstGeom>
+          <a:noFill/>
+        </p:spPr>
+      </p:pic>
+      <p:pic>
+        <p:nvPicPr>
+          <p:cNvPr id="5123" name="Picture 3" descr="E:\Tesis\PSMAGE\docs\twilight.PNG"/>
+          <p:cNvPicPr>
+            <a:picLocks noChangeAspect="1" noChangeArrowheads="1"/>
+          </p:cNvPicPr>
+          <p:nvPr/>
+        </p:nvPicPr>
+        <p:blipFill>
+          <a:blip r:embed="rId5" cstate="print"/>
+          <a:srcRect/>
+          <a:stretch>
+            <a:fillRect/>
+          </a:stretch>
+        </p:blipFill>
+        <p:spPr bwMode="auto">
+          <a:xfrm>
+            <a:off x="4724400" y="2209800"/>
+            <a:ext cx="3905250" cy="3905250"/>
           </a:xfrm>
           <a:prstGeom prst="rect">
             <a:avLst/>
@@ -24964,20 +25070,20 @@
     </p:spTree>
     <p:extLst>
       <p:ext uri="{BB962C8B-B14F-4D97-AF65-F5344CB8AC3E}">
-        <p14:creationId xmlns:p14="http://schemas.microsoft.com/office/powerpoint/2010/main" val="687469093"/>
+        <p14:creationId xmlns:p14="http://schemas.microsoft.com/office/powerpoint/2010/main" xmlns="" val="687469093"/>
       </p:ext>
     </p:extLst>
   </p:cSld>
   <p:clrMapOvr>
     <a:masterClrMapping/>
   </p:clrMapOvr>
-  <p:transition xmlns:p14="http://schemas.microsoft.com/office/powerpoint/2010/main" spd="slow">
+  <p:transition spd="slow">
     <p:cut/>
   </p:transition>
   <p:timing>
     <p:tnLst>
       <p:par>
-        <p:cTn xmlns:p14="http://schemas.microsoft.com/office/powerpoint/2010/main" id="1" dur="indefinite" restart="never" nodeType="tmRoot"/>
+        <p:cTn id="1" dur="indefinite" restart="never" nodeType="tmRoot"/>
       </p:par>
     </p:tnLst>
   </p:timing>
@@ -25259,13 +25365,13 @@
   <p:clrMapOvr>
     <a:masterClrMapping/>
   </p:clrMapOvr>
-  <p:transition xmlns:p14="http://schemas.microsoft.com/office/powerpoint/2010/main" spd="slow">
+  <p:transition spd="slow">
     <p:cut/>
   </p:transition>
   <p:timing>
     <p:tnLst>
       <p:par>
-        <p:cTn xmlns:p14="http://schemas.microsoft.com/office/powerpoint/2010/main" id="1" dur="indefinite" restart="never" nodeType="tmRoot"/>
+        <p:cTn id="1" dur="indefinite" restart="never" nodeType="tmRoot"/>
       </p:par>
     </p:tnLst>
   </p:timing>
@@ -25522,13 +25628,475 @@
   <p:clrMapOvr>
     <a:masterClrMapping/>
   </p:clrMapOvr>
-  <p:transition xmlns:p14="http://schemas.microsoft.com/office/powerpoint/2010/main" spd="slow">
+  <p:transition spd="slow">
     <p:cut/>
   </p:transition>
   <p:timing>
     <p:tnLst>
       <p:par>
-        <p:cTn xmlns:p14="http://schemas.microsoft.com/office/powerpoint/2010/main" id="1" dur="indefinite" restart="never" nodeType="tmRoot"/>
+        <p:cTn id="1" dur="indefinite" restart="never" nodeType="tmRoot"/>
+      </p:par>
+    </p:tnLst>
+  </p:timing>
+</p:sld>
+</file>
+
+<file path=ppt/slides/slide38.xml><?xml version="1.0" encoding="utf-8"?>
+<p:sld xmlns:a="http://schemas.openxmlformats.org/drawingml/2006/main" xmlns:r="http://schemas.openxmlformats.org/officeDocument/2006/relationships" xmlns:p="http://schemas.openxmlformats.org/presentationml/2006/main">
+  <p:cSld>
+    <p:spTree>
+      <p:nvGrpSpPr>
+        <p:cNvPr id="1" name="Shape 574"/>
+        <p:cNvGrpSpPr/>
+        <p:nvPr/>
+      </p:nvGrpSpPr>
+      <p:grpSpPr>
+        <a:xfrm>
+          <a:off x="0" y="0"/>
+          <a:ext cx="0" cy="0"/>
+          <a:chOff x="0" y="0"/>
+          <a:chExt cx="0" cy="0"/>
+        </a:xfrm>
+      </p:grpSpPr>
+      <p:pic>
+        <p:nvPicPr>
+          <p:cNvPr id="5" name="Picture 2" descr="http://images.forbes.com/media/lists/94/2010/logos/drexel-university.jpg"/>
+          <p:cNvPicPr>
+            <a:picLocks noChangeAspect="1" noChangeArrowheads="1"/>
+          </p:cNvPicPr>
+          <p:nvPr/>
+        </p:nvPicPr>
+        <p:blipFill>
+          <a:blip r:embed="rId3" cstate="print"/>
+          <a:srcRect/>
+          <a:stretch>
+            <a:fillRect/>
+          </a:stretch>
+        </p:blipFill>
+        <p:spPr bwMode="auto">
+          <a:xfrm>
+            <a:off x="8382000" y="0"/>
+            <a:ext cx="762000" cy="811389"/>
+          </a:xfrm>
+          <a:prstGeom prst="rect">
+            <a:avLst/>
+          </a:prstGeom>
+          <a:noFill/>
+        </p:spPr>
+      </p:pic>
+      <p:cxnSp>
+        <p:nvCxnSpPr>
+          <p:cNvPr id="6" name="5 Conector recto"/>
+          <p:cNvCxnSpPr/>
+          <p:nvPr/>
+        </p:nvCxnSpPr>
+        <p:spPr>
+          <a:xfrm>
+            <a:off x="0" y="702892"/>
+            <a:ext cx="8424936" cy="0"/>
+          </a:xfrm>
+          <a:prstGeom prst="line">
+            <a:avLst/>
+          </a:prstGeom>
+          <a:ln w="38100">
+            <a:solidFill>
+              <a:srgbClr val="0B2247"/>
+            </a:solidFill>
+          </a:ln>
+        </p:spPr>
+        <p:style>
+          <a:lnRef idx="1">
+            <a:schemeClr val="accent1"/>
+          </a:lnRef>
+          <a:fillRef idx="0">
+            <a:schemeClr val="accent1"/>
+          </a:fillRef>
+          <a:effectRef idx="0">
+            <a:schemeClr val="accent1"/>
+          </a:effectRef>
+          <a:fontRef idx="minor">
+            <a:schemeClr val="tx1"/>
+          </a:fontRef>
+        </p:style>
+      </p:cxnSp>
+      <p:sp>
+        <p:nvSpPr>
+          <p:cNvPr id="7" name="TextBox 46"/>
+          <p:cNvSpPr txBox="1"/>
+          <p:nvPr/>
+        </p:nvSpPr>
+        <p:spPr>
+          <a:xfrm>
+            <a:off x="0" y="76200"/>
+            <a:ext cx="8067850" cy="646331"/>
+          </a:xfrm>
+          <a:prstGeom prst="rect">
+            <a:avLst/>
+          </a:prstGeom>
+          <a:noFill/>
+        </p:spPr>
+        <p:txBody>
+          <a:bodyPr wrap="none" rtlCol="0">
+            <a:spAutoFit/>
+          </a:bodyPr>
+          <a:lstStyle/>
+          <a:p>
+            <a:r>
+              <a:rPr lang="en-US" sz="3600" dirty="0" smtClean="0"/>
+              <a:t>[Project 3] Procedural Content Generation</a:t>
+            </a:r>
+            <a:endParaRPr lang="en-US" sz="3600" dirty="0"/>
+          </a:p>
+        </p:txBody>
+      </p:sp>
+      <p:sp>
+        <p:nvSpPr>
+          <p:cNvPr id="9" name="TextBox 2"/>
+          <p:cNvSpPr txBox="1"/>
+          <p:nvPr/>
+        </p:nvSpPr>
+        <p:spPr>
+          <a:xfrm>
+            <a:off x="304800" y="939225"/>
+            <a:ext cx="6858000" cy="584775"/>
+          </a:xfrm>
+          <a:prstGeom prst="rect">
+            <a:avLst/>
+          </a:prstGeom>
+          <a:noFill/>
+        </p:spPr>
+        <p:txBody>
+          <a:bodyPr wrap="square" rtlCol="0">
+            <a:spAutoFit/>
+          </a:bodyPr>
+          <a:lstStyle/>
+          <a:p>
+            <a:r>
+              <a:rPr lang="en-US" sz="3200" dirty="0" smtClean="0"/>
+              <a:t>Classification of our PCG algorithm</a:t>
+            </a:r>
+            <a:r>
+              <a:rPr lang="en-US" sz="3200" dirty="0" smtClean="0"/>
+              <a:t>:</a:t>
+            </a:r>
+            <a:endParaRPr lang="en-US" sz="3200" dirty="0"/>
+          </a:p>
+        </p:txBody>
+      </p:sp>
+      <p:graphicFrame>
+        <p:nvGraphicFramePr>
+          <p:cNvPr id="10" name="9 Tabla"/>
+          <p:cNvGraphicFramePr>
+            <a:graphicFrameLocks noGrp="1"/>
+          </p:cNvGraphicFramePr>
+          <p:nvPr/>
+        </p:nvGraphicFramePr>
+        <p:xfrm>
+          <a:off x="762000" y="2209800"/>
+          <a:ext cx="7620000" cy="3048000"/>
+        </p:xfrm>
+        <a:graphic>
+          <a:graphicData uri="http://schemas.openxmlformats.org/drawingml/2006/table">
+            <a:tbl>
+              <a:tblPr firstRow="1" bandRow="1">
+                <a:tableStyleId>{5C22544A-7EE6-4342-B048-85BDC9FD1C3A}</a:tableStyleId>
+              </a:tblPr>
+              <a:tblGrid>
+                <a:gridCol w="1524000"/>
+                <a:gridCol w="1524000"/>
+                <a:gridCol w="1524000"/>
+                <a:gridCol w="1524000"/>
+                <a:gridCol w="1524000"/>
+              </a:tblGrid>
+              <a:tr h="1016000">
+                <a:tc>
+                  <a:txBody>
+                    <a:bodyPr/>
+                    <a:lstStyle/>
+                    <a:p>
+                      <a:pPr algn="ctr"/>
+                      <a:r>
+                        <a:rPr lang="en-US" dirty="0" smtClean="0"/>
+                        <a:t>When is CPG</a:t>
+                      </a:r>
+                      <a:r>
+                        <a:rPr lang="en-US" baseline="0" dirty="0" smtClean="0"/>
+                        <a:t> performed?</a:t>
+                      </a:r>
+                      <a:endParaRPr lang="en-US" dirty="0"/>
+                    </a:p>
+                  </a:txBody>
+                  <a:tcPr anchor="ctr"/>
+                </a:tc>
+                <a:tc>
+                  <a:txBody>
+                    <a:bodyPr/>
+                    <a:lstStyle/>
+                    <a:p>
+                      <a:pPr algn="ctr"/>
+                      <a:r>
+                        <a:rPr lang="en-US" dirty="0" smtClean="0"/>
+                        <a:t>Content</a:t>
+                      </a:r>
+                      <a:endParaRPr lang="en-US" dirty="0"/>
+                    </a:p>
+                  </a:txBody>
+                  <a:tcPr anchor="ctr"/>
+                </a:tc>
+                <a:tc>
+                  <a:txBody>
+                    <a:bodyPr/>
+                    <a:lstStyle/>
+                    <a:p>
+                      <a:pPr algn="ctr"/>
+                      <a:r>
+                        <a:rPr lang="en-US" dirty="0" smtClean="0"/>
+                        <a:t>Degrees of control</a:t>
+                      </a:r>
+                      <a:endParaRPr lang="en-US" dirty="0"/>
+                    </a:p>
+                  </a:txBody>
+                  <a:tcPr anchor="ctr"/>
+                </a:tc>
+                <a:tc>
+                  <a:txBody>
+                    <a:bodyPr/>
+                    <a:lstStyle/>
+                    <a:p>
+                      <a:pPr algn="ctr"/>
+                      <a:r>
+                        <a:rPr lang="en-US" dirty="0" smtClean="0"/>
+                        <a:t>Determinism</a:t>
+                      </a:r>
+                      <a:endParaRPr lang="en-US" dirty="0"/>
+                    </a:p>
+                  </a:txBody>
+                  <a:tcPr anchor="ctr"/>
+                </a:tc>
+                <a:tc>
+                  <a:txBody>
+                    <a:bodyPr/>
+                    <a:lstStyle/>
+                    <a:p>
+                      <a:pPr algn="ctr"/>
+                      <a:r>
+                        <a:rPr lang="en-US" dirty="0" err="1" smtClean="0"/>
+                        <a:t>Thecnique</a:t>
+                      </a:r>
+                      <a:endParaRPr lang="en-US" dirty="0"/>
+                    </a:p>
+                  </a:txBody>
+                  <a:tcPr anchor="ctr"/>
+                </a:tc>
+              </a:tr>
+              <a:tr h="1016000">
+                <a:tc>
+                  <a:txBody>
+                    <a:bodyPr/>
+                    <a:lstStyle/>
+                    <a:p>
+                      <a:pPr algn="ctr"/>
+                      <a:r>
+                        <a:rPr lang="en-US" dirty="0" smtClean="0"/>
+                        <a:t>Online</a:t>
+                      </a:r>
+                      <a:endParaRPr lang="en-US" dirty="0"/>
+                    </a:p>
+                  </a:txBody>
+                  <a:tcPr anchor="ctr"/>
+                </a:tc>
+                <a:tc>
+                  <a:txBody>
+                    <a:bodyPr/>
+                    <a:lstStyle/>
+                    <a:p>
+                      <a:pPr algn="ctr"/>
+                      <a:r>
+                        <a:rPr lang="en-US" dirty="0" smtClean="0"/>
+                        <a:t>Optional</a:t>
+                      </a:r>
+                      <a:endParaRPr lang="en-US" dirty="0"/>
+                    </a:p>
+                  </a:txBody>
+                  <a:tcPr anchor="ctr"/>
+                </a:tc>
+                <a:tc>
+                  <a:txBody>
+                    <a:bodyPr/>
+                    <a:lstStyle/>
+                    <a:p>
+                      <a:pPr algn="ctr"/>
+                      <a:r>
+                        <a:rPr lang="en-US" dirty="0" smtClean="0"/>
+                        <a:t>Purely random</a:t>
+                      </a:r>
+                      <a:endParaRPr lang="en-US" dirty="0"/>
+                    </a:p>
+                  </a:txBody>
+                  <a:tcPr anchor="ctr"/>
+                </a:tc>
+                <a:tc>
+                  <a:txBody>
+                    <a:bodyPr/>
+                    <a:lstStyle/>
+                    <a:p>
+                      <a:pPr algn="ctr"/>
+                      <a:r>
+                        <a:rPr lang="en-US" dirty="0" smtClean="0"/>
+                        <a:t>Stochastic</a:t>
+                      </a:r>
+                      <a:endParaRPr lang="en-US" dirty="0"/>
+                    </a:p>
+                  </a:txBody>
+                  <a:tcPr anchor="ctr">
+                    <a:solidFill>
+                      <a:schemeClr val="accent2"/>
+                    </a:solidFill>
+                  </a:tcPr>
+                </a:tc>
+                <a:tc>
+                  <a:txBody>
+                    <a:bodyPr/>
+                    <a:lstStyle/>
+                    <a:p>
+                      <a:pPr algn="ctr"/>
+                      <a:r>
+                        <a:rPr lang="en-US" dirty="0" smtClean="0"/>
+                        <a:t>Constructive</a:t>
+                      </a:r>
+                      <a:endParaRPr lang="en-US" dirty="0"/>
+                    </a:p>
+                  </a:txBody>
+                  <a:tcPr anchor="ctr">
+                    <a:solidFill>
+                      <a:schemeClr val="accent2"/>
+                    </a:solidFill>
+                  </a:tcPr>
+                </a:tc>
+              </a:tr>
+              <a:tr h="1016000">
+                <a:tc>
+                  <a:txBody>
+                    <a:bodyPr/>
+                    <a:lstStyle/>
+                    <a:p>
+                      <a:pPr algn="ctr"/>
+                      <a:r>
+                        <a:rPr lang="en-US" dirty="0" smtClean="0"/>
+                        <a:t>Offline</a:t>
+                      </a:r>
+                      <a:endParaRPr lang="en-US" dirty="0"/>
+                    </a:p>
+                  </a:txBody>
+                  <a:tcPr anchor="ctr">
+                    <a:solidFill>
+                      <a:schemeClr val="accent2"/>
+                    </a:solidFill>
+                  </a:tcPr>
+                </a:tc>
+                <a:tc>
+                  <a:txBody>
+                    <a:bodyPr/>
+                    <a:lstStyle/>
+                    <a:p>
+                      <a:pPr algn="ctr"/>
+                      <a:r>
+                        <a:rPr lang="en-US" dirty="0" smtClean="0"/>
+                        <a:t>Necessary</a:t>
+                      </a:r>
+                      <a:endParaRPr lang="en-US" dirty="0"/>
+                    </a:p>
+                  </a:txBody>
+                  <a:tcPr anchor="ctr">
+                    <a:solidFill>
+                      <a:schemeClr val="accent2"/>
+                    </a:solidFill>
+                  </a:tcPr>
+                </a:tc>
+                <a:tc>
+                  <a:txBody>
+                    <a:bodyPr/>
+                    <a:lstStyle/>
+                    <a:p>
+                      <a:pPr algn="ctr"/>
+                      <a:r>
+                        <a:rPr lang="en-US" dirty="0" smtClean="0"/>
+                        <a:t>Control </a:t>
+                      </a:r>
+                    </a:p>
+                    <a:p>
+                      <a:pPr algn="ctr"/>
+                      <a:r>
+                        <a:rPr lang="en-US" dirty="0" smtClean="0"/>
+                        <a:t>vector</a:t>
+                      </a:r>
+                      <a:endParaRPr lang="en-US" dirty="0"/>
+                    </a:p>
+                  </a:txBody>
+                  <a:tcPr anchor="ctr">
+                    <a:solidFill>
+                      <a:schemeClr val="accent2"/>
+                    </a:solidFill>
+                  </a:tcPr>
+                </a:tc>
+                <a:tc>
+                  <a:txBody>
+                    <a:bodyPr/>
+                    <a:lstStyle/>
+                    <a:p>
+                      <a:pPr algn="ctr"/>
+                      <a:r>
+                        <a:rPr lang="en-US" dirty="0" smtClean="0"/>
+                        <a:t>Deterministic</a:t>
+                      </a:r>
+                      <a:endParaRPr lang="en-US" dirty="0"/>
+                    </a:p>
+                  </a:txBody>
+                  <a:tcPr anchor="ctr"/>
+                </a:tc>
+                <a:tc>
+                  <a:txBody>
+                    <a:bodyPr/>
+                    <a:lstStyle/>
+                    <a:p>
+                      <a:pPr algn="ctr"/>
+                      <a:r>
+                        <a:rPr lang="en-US" dirty="0" smtClean="0"/>
+                        <a:t>Generate &amp; </a:t>
+                      </a:r>
+                    </a:p>
+                    <a:p>
+                      <a:pPr algn="ctr"/>
+                      <a:r>
+                        <a:rPr lang="en-US" dirty="0" smtClean="0"/>
+                        <a:t>Test</a:t>
+                      </a:r>
+                      <a:endParaRPr lang="en-US" dirty="0"/>
+                    </a:p>
+                  </a:txBody>
+                  <a:tcPr anchor="ctr">
+                    <a:solidFill>
+                      <a:schemeClr val="accent2"/>
+                    </a:solidFill>
+                  </a:tcPr>
+                </a:tc>
+              </a:tr>
+            </a:tbl>
+          </a:graphicData>
+        </a:graphic>
+      </p:graphicFrame>
+    </p:spTree>
+  </p:cSld>
+  <p:clrMapOvr>
+    <a:masterClrMapping/>
+  </p:clrMapOvr>
+  <p:transition spd="slow">
+    <p:cut/>
+  </p:transition>
+  <p:timing>
+    <p:tnLst>
+      <p:par>
+        <p:cTn id="1" dur="indefinite" restart="never" nodeType="tmRoot"/>
       </p:par>
     </p:tnLst>
   </p:timing>
@@ -26589,7 +27157,7 @@
     </p:spTree>
     <p:extLst>
       <p:ext uri="{BB962C8B-B14F-4D97-AF65-F5344CB8AC3E}">
-        <p14:creationId xmlns:p14="http://schemas.microsoft.com/office/powerpoint/2010/main" val="991279201"/>
+        <p14:creationId xmlns:p14="http://schemas.microsoft.com/office/powerpoint/2010/main" xmlns="" val="991279201"/>
       </p:ext>
     </p:extLst>
   </p:cSld>
@@ -26599,7 +27167,7 @@
   <p:timing>
     <p:tnLst>
       <p:par>
-        <p:cTn xmlns:p14="http://schemas.microsoft.com/office/powerpoint/2010/main" id="1" dur="indefinite" restart="never" nodeType="tmRoot"/>
+        <p:cTn id="1" dur="indefinite" restart="never" nodeType="tmRoot"/>
       </p:par>
     </p:tnLst>
   </p:timing>
@@ -26796,7 +27364,7 @@
     </p:spTree>
     <p:extLst>
       <p:ext uri="{BB962C8B-B14F-4D97-AF65-F5344CB8AC3E}">
-        <p14:creationId xmlns:p14="http://schemas.microsoft.com/office/powerpoint/2010/main" val="1062390099"/>
+        <p14:creationId xmlns:p14="http://schemas.microsoft.com/office/powerpoint/2010/main" xmlns="" val="1062390099"/>
       </p:ext>
     </p:extLst>
   </p:cSld>
@@ -26806,7 +27374,7 @@
   <p:timing>
     <p:tnLst>
       <p:par>
-        <p:cTn xmlns:p14="http://schemas.microsoft.com/office/powerpoint/2010/main" id="1" dur="indefinite" restart="never" nodeType="tmRoot"/>
+        <p:cTn id="1" dur="indefinite" restart="never" nodeType="tmRoot"/>
       </p:par>
     </p:tnLst>
   </p:timing>
@@ -26910,7 +27478,7 @@
           <a:blip r:embed="rId2" cstate="print">
             <a:extLst>
               <a:ext uri="{28A0092B-C50C-407E-A947-70E740481C1C}">
-                <a14:useLocalDpi xmlns:a14="http://schemas.microsoft.com/office/drawing/2010/main" val="0"/>
+                <a14:useLocalDpi xmlns:a14="http://schemas.microsoft.com/office/drawing/2010/main" xmlns="" val="0"/>
               </a:ext>
             </a:extLst>
           </a:blip>
@@ -26930,7 +27498,7 @@
           <a:noFill/>
           <a:extLst>
             <a:ext uri="{909E8E84-426E-40dd-AFC4-6F175D3DCCD1}">
-              <a14:hiddenFill xmlns:a14="http://schemas.microsoft.com/office/drawing/2010/main">
+              <a14:hiddenFill xmlns:a14="http://schemas.microsoft.com/office/drawing/2010/main" xmlns="">
                 <a:solidFill>
                   <a:srgbClr val="FFFFFF"/>
                 </a:solidFill>
@@ -27003,7 +27571,7 @@
     </p:spTree>
     <p:extLst>
       <p:ext uri="{BB962C8B-B14F-4D97-AF65-F5344CB8AC3E}">
-        <p14:creationId xmlns:p14="http://schemas.microsoft.com/office/powerpoint/2010/main" val="2007822478"/>
+        <p14:creationId xmlns:p14="http://schemas.microsoft.com/office/powerpoint/2010/main" xmlns="" val="2007822478"/>
       </p:ext>
     </p:extLst>
   </p:cSld>
@@ -27013,7 +27581,7 @@
   <p:timing>
     <p:tnLst>
       <p:par>
-        <p:cTn xmlns:p14="http://schemas.microsoft.com/office/powerpoint/2010/main" id="1" dur="indefinite" restart="never" nodeType="tmRoot"/>
+        <p:cTn id="1" dur="indefinite" restart="never" nodeType="tmRoot"/>
       </p:par>
     </p:tnLst>
   </p:timing>
@@ -27125,7 +27693,7 @@
           <a:blip r:embed="rId2" cstate="print">
             <a:extLst>
               <a:ext uri="{28A0092B-C50C-407E-A947-70E740481C1C}">
-                <a14:useLocalDpi xmlns:a14="http://schemas.microsoft.com/office/drawing/2010/main" val="0"/>
+                <a14:useLocalDpi xmlns:a14="http://schemas.microsoft.com/office/drawing/2010/main" xmlns="" val="0"/>
               </a:ext>
             </a:extLst>
           </a:blip>
@@ -27145,7 +27713,7 @@
           <a:noFill/>
           <a:extLst>
             <a:ext uri="{909E8E84-426E-40dd-AFC4-6F175D3DCCD1}">
-              <a14:hiddenFill xmlns:a14="http://schemas.microsoft.com/office/drawing/2010/main">
+              <a14:hiddenFill xmlns:a14="http://schemas.microsoft.com/office/drawing/2010/main" xmlns="">
                 <a:solidFill>
                   <a:srgbClr val="FFFFFF"/>
                 </a:solidFill>
@@ -27218,7 +27786,7 @@
     </p:spTree>
     <p:extLst>
       <p:ext uri="{BB962C8B-B14F-4D97-AF65-F5344CB8AC3E}">
-        <p14:creationId xmlns:p14="http://schemas.microsoft.com/office/powerpoint/2010/main" val="2687416414"/>
+        <p14:creationId xmlns:p14="http://schemas.microsoft.com/office/powerpoint/2010/main" xmlns="" val="2687416414"/>
       </p:ext>
     </p:extLst>
   </p:cSld>
@@ -27228,7 +27796,7 @@
   <p:timing>
     <p:tnLst>
       <p:par>
-        <p:cTn xmlns:p14="http://schemas.microsoft.com/office/powerpoint/2010/main" id="1" dur="indefinite" restart="never" nodeType="tmRoot"/>
+        <p:cTn id="1" dur="indefinite" restart="never" nodeType="tmRoot"/>
       </p:par>
     </p:tnLst>
   </p:timing>
@@ -28164,7 +28732,7 @@
     </p:spTree>
     <p:extLst>
       <p:ext uri="{BB962C8B-B14F-4D97-AF65-F5344CB8AC3E}">
-        <p14:creationId xmlns:p14="http://schemas.microsoft.com/office/powerpoint/2010/main" val="743235833"/>
+        <p14:creationId xmlns:p14="http://schemas.microsoft.com/office/powerpoint/2010/main" xmlns="" val="743235833"/>
       </p:ext>
     </p:extLst>
   </p:cSld>
@@ -28174,7 +28742,7 @@
   <p:timing>
     <p:tnLst>
       <p:par>
-        <p:cTn xmlns:p14="http://schemas.microsoft.com/office/powerpoint/2010/main" id="1" dur="indefinite" restart="never" nodeType="tmRoot"/>
+        <p:cTn id="1" dur="indefinite" restart="never" nodeType="tmRoot"/>
       </p:par>
     </p:tnLst>
   </p:timing>
@@ -29270,7 +29838,7 @@
     </p:spTree>
     <p:extLst>
       <p:ext uri="{BB962C8B-B14F-4D97-AF65-F5344CB8AC3E}">
-        <p14:creationId xmlns:p14="http://schemas.microsoft.com/office/powerpoint/2010/main" val="2677880483"/>
+        <p14:creationId xmlns:p14="http://schemas.microsoft.com/office/powerpoint/2010/main" xmlns="" val="2677880483"/>
       </p:ext>
     </p:extLst>
   </p:cSld>
@@ -29280,7 +29848,7 @@
   <p:timing>
     <p:tnLst>
       <p:par>
-        <p:cTn xmlns:p14="http://schemas.microsoft.com/office/powerpoint/2010/main" id="1" dur="indefinite" restart="never" nodeType="tmRoot"/>
+        <p:cTn id="1" dur="indefinite" restart="never" nodeType="tmRoot"/>
       </p:par>
     </p:tnLst>
   </p:timing>
